--- a/Presentation/PowerPoint_Slides/NetflixEDA-Slides.pptx
+++ b/Presentation/PowerPoint_Slides/NetflixEDA-Slides.pptx
@@ -5,7 +5,14 @@
     <p:sldMasterId id="2147483648" r:id="rId1"/>
   </p:sldMasterIdLst>
   <p:sldIdLst>
-    <p:sldId id="256" r:id="rId2"/>
+    <p:sldId id="257" r:id="rId2"/>
+    <p:sldId id="256" r:id="rId3"/>
+    <p:sldId id="258" r:id="rId4"/>
+    <p:sldId id="259" r:id="rId5"/>
+    <p:sldId id="260" r:id="rId6"/>
+    <p:sldId id="261" r:id="rId7"/>
+    <p:sldId id="262" r:id="rId8"/>
+    <p:sldId id="263" r:id="rId9"/>
   </p:sldIdLst>
   <p:sldSz cx="12192000" cy="6858000"/>
   <p:notesSz cx="6858000" cy="9144000"/>
@@ -3326,10 +3333,3036 @@
       </p:grpSpPr>
       <p:pic>
         <p:nvPicPr>
+          <p:cNvPr id="5" name="Picture 4">
+            <a:extLst>
+              <a:ext uri="{FF2B5EF4-FFF2-40B4-BE49-F238E27FC236}">
+                <a16:creationId xmlns:a16="http://schemas.microsoft.com/office/drawing/2014/main" id="{9140075D-2498-D2BA-E80B-C470302B5330}"/>
+              </a:ext>
+            </a:extLst>
+          </p:cNvPr>
+          <p:cNvPicPr>
+            <a:picLocks noChangeAspect="1"/>
+          </p:cNvPicPr>
+          <p:nvPr/>
+        </p:nvPicPr>
+        <p:blipFill rotWithShape="1">
+          <a:blip r:embed="rId2"/>
+          <a:srcRect l="20549" t="28140" r="24493" b="31178"/>
+          <a:stretch/>
+        </p:blipFill>
+        <p:spPr>
+          <a:xfrm>
+            <a:off x="4339801" y="3295996"/>
+            <a:ext cx="3512397" cy="1452893"/>
+          </a:xfrm>
+          <a:prstGeom prst="rect">
+            <a:avLst/>
+          </a:prstGeom>
+        </p:spPr>
+      </p:pic>
+      <p:sp>
+        <p:nvSpPr>
+          <p:cNvPr id="4" name="TextBox 3">
+            <a:extLst>
+              <a:ext uri="{FF2B5EF4-FFF2-40B4-BE49-F238E27FC236}">
+                <a16:creationId xmlns:a16="http://schemas.microsoft.com/office/drawing/2014/main" id="{1CA21FBC-08BD-B309-091B-6FC2A815B405}"/>
+              </a:ext>
+            </a:extLst>
+          </p:cNvPr>
+          <p:cNvSpPr txBox="1"/>
+          <p:nvPr/>
+        </p:nvSpPr>
+        <p:spPr>
+          <a:xfrm>
+            <a:off x="685940" y="2044005"/>
+            <a:ext cx="10820120" cy="1384995"/>
+          </a:xfrm>
+          <a:prstGeom prst="rect">
+            <a:avLst/>
+          </a:prstGeom>
+          <a:noFill/>
+        </p:spPr>
+        <p:txBody>
+          <a:bodyPr wrap="square" rtlCol="0">
+            <a:spAutoFit/>
+          </a:bodyPr>
+          <a:lstStyle/>
+          <a:p>
+            <a:pPr algn="ctr"/>
+            <a:r>
+              <a:rPr lang="en-GB" sz="4800" dirty="0">
+                <a:solidFill>
+                  <a:schemeClr val="bg2">
+                    <a:lumMod val="75000"/>
+                  </a:schemeClr>
+                </a:solidFill>
+                <a:effectLst/>
+              </a:rPr>
+              <a:t>Evolving Landscapes of Television: </a:t>
+            </a:r>
+          </a:p>
+          <a:p>
+            <a:pPr algn="ctr"/>
+            <a:r>
+              <a:rPr lang="en-GB" sz="3600" dirty="0">
+                <a:solidFill>
+                  <a:schemeClr val="bg2">
+                    <a:lumMod val="75000"/>
+                  </a:schemeClr>
+                </a:solidFill>
+                <a:effectLst/>
+              </a:rPr>
+              <a:t>An Analytical Dive into TV Show Trends on</a:t>
+            </a:r>
+            <a:endParaRPr lang="en-GB" sz="3600" dirty="0">
+              <a:solidFill>
+                <a:srgbClr val="101010"/>
+              </a:solidFill>
+              <a:effectLst/>
+            </a:endParaRPr>
+          </a:p>
+        </p:txBody>
+      </p:sp>
+    </p:spTree>
+    <p:extLst>
+      <p:ext uri="{BB962C8B-B14F-4D97-AF65-F5344CB8AC3E}">
+        <p14:creationId xmlns:p14="http://schemas.microsoft.com/office/powerpoint/2010/main" val="1723818199"/>
+      </p:ext>
+    </p:extLst>
+  </p:cSld>
+  <p:clrMapOvr>
+    <a:masterClrMapping/>
+  </p:clrMapOvr>
+</p:sld>
+</file>
+
+<file path=ppt/slides/slide2.xml><?xml version="1.0" encoding="utf-8"?>
+<p:sld xmlns:a="http://schemas.openxmlformats.org/drawingml/2006/main" xmlns:r="http://schemas.openxmlformats.org/officeDocument/2006/relationships" xmlns:p="http://schemas.openxmlformats.org/presentationml/2006/main">
+  <p:cSld>
+    <p:spTree>
+      <p:nvGrpSpPr>
+        <p:cNvPr id="1" name=""/>
+        <p:cNvGrpSpPr/>
+        <p:nvPr/>
+      </p:nvGrpSpPr>
+      <p:grpSpPr>
+        <a:xfrm>
+          <a:off x="0" y="0"/>
+          <a:ext cx="0" cy="0"/>
+          <a:chOff x="0" y="0"/>
+          <a:chExt cx="0" cy="0"/>
+        </a:xfrm>
+      </p:grpSpPr>
+      <p:pic>
+        <p:nvPicPr>
           <p:cNvPr id="4" name="Picture 3">
             <a:extLst>
               <a:ext uri="{FF2B5EF4-FFF2-40B4-BE49-F238E27FC236}">
                 <a16:creationId xmlns:a16="http://schemas.microsoft.com/office/drawing/2014/main" id="{7C72D75D-8541-8D63-8E16-EEB0FCAB60B4}"/>
+              </a:ext>
+            </a:extLst>
+          </p:cNvPr>
+          <p:cNvPicPr>
+            <a:picLocks noChangeAspect="1"/>
+          </p:cNvPicPr>
+          <p:nvPr/>
+        </p:nvPicPr>
+        <p:blipFill rotWithShape="1">
+          <a:blip r:embed="rId2"/>
+          <a:srcRect l="20549" t="28140" r="24493" b="31178"/>
+          <a:stretch/>
+        </p:blipFill>
+        <p:spPr>
+          <a:xfrm>
+            <a:off x="354882" y="390321"/>
+            <a:ext cx="1314787" cy="543858"/>
+          </a:xfrm>
+          <a:prstGeom prst="rect">
+            <a:avLst/>
+          </a:prstGeom>
+        </p:spPr>
+      </p:pic>
+      <p:sp>
+        <p:nvSpPr>
+          <p:cNvPr id="5" name="TextBox 4">
+            <a:extLst>
+              <a:ext uri="{FF2B5EF4-FFF2-40B4-BE49-F238E27FC236}">
+                <a16:creationId xmlns:a16="http://schemas.microsoft.com/office/drawing/2014/main" id="{F59600B7-E76F-427F-63FB-8D1CF3182280}"/>
+              </a:ext>
+            </a:extLst>
+          </p:cNvPr>
+          <p:cNvSpPr txBox="1"/>
+          <p:nvPr/>
+        </p:nvSpPr>
+        <p:spPr>
+          <a:xfrm>
+            <a:off x="3819731" y="1225573"/>
+            <a:ext cx="4438649" cy="707886"/>
+          </a:xfrm>
+          <a:prstGeom prst="rect">
+            <a:avLst/>
+          </a:prstGeom>
+          <a:noFill/>
+        </p:spPr>
+        <p:txBody>
+          <a:bodyPr wrap="square" rtlCol="0">
+            <a:spAutoFit/>
+          </a:bodyPr>
+          <a:lstStyle/>
+          <a:p>
+            <a:pPr algn="ctr"/>
+            <a:r>
+              <a:rPr lang="en-GB" sz="4000" dirty="0">
+                <a:solidFill>
+                  <a:schemeClr val="bg2">
+                    <a:lumMod val="90000"/>
+                  </a:schemeClr>
+                </a:solidFill>
+              </a:rPr>
+              <a:t>Who’s presenting?</a:t>
+            </a:r>
+          </a:p>
+        </p:txBody>
+      </p:sp>
+      <p:sp>
+        <p:nvSpPr>
+          <p:cNvPr id="6" name="TextBox 5">
+            <a:extLst>
+              <a:ext uri="{FF2B5EF4-FFF2-40B4-BE49-F238E27FC236}">
+                <a16:creationId xmlns:a16="http://schemas.microsoft.com/office/drawing/2014/main" id="{9D7D72FC-E1FD-22CE-0584-36AEA053B7BB}"/>
+              </a:ext>
+            </a:extLst>
+          </p:cNvPr>
+          <p:cNvSpPr txBox="1"/>
+          <p:nvPr/>
+        </p:nvSpPr>
+        <p:spPr>
+          <a:xfrm>
+            <a:off x="4991305" y="5100799"/>
+            <a:ext cx="2095500" cy="369332"/>
+          </a:xfrm>
+          <a:prstGeom prst="rect">
+            <a:avLst/>
+          </a:prstGeom>
+          <a:noFill/>
+        </p:spPr>
+        <p:txBody>
+          <a:bodyPr wrap="square" rtlCol="0">
+            <a:spAutoFit/>
+          </a:bodyPr>
+          <a:lstStyle/>
+          <a:p>
+            <a:pPr algn="ctr"/>
+            <a:r>
+              <a:rPr lang="en-GB" dirty="0">
+                <a:solidFill>
+                  <a:schemeClr val="bg2">
+                    <a:lumMod val="75000"/>
+                  </a:schemeClr>
+                </a:solidFill>
+                <a:latin typeface="+mj-lt"/>
+              </a:rPr>
+              <a:t>MANAGE PROFILES</a:t>
+            </a:r>
+          </a:p>
+        </p:txBody>
+      </p:sp>
+      <p:sp>
+        <p:nvSpPr>
+          <p:cNvPr id="7" name="Rectangle 6">
+            <a:extLst>
+              <a:ext uri="{FF2B5EF4-FFF2-40B4-BE49-F238E27FC236}">
+                <a16:creationId xmlns:a16="http://schemas.microsoft.com/office/drawing/2014/main" id="{19777FFE-C9EA-D5A5-E176-75E54ED92D2E}"/>
+              </a:ext>
+            </a:extLst>
+          </p:cNvPr>
+          <p:cNvSpPr/>
+          <p:nvPr/>
+        </p:nvSpPr>
+        <p:spPr>
+          <a:xfrm>
+            <a:off x="4895846" y="5100799"/>
+            <a:ext cx="2400301" cy="369332"/>
+          </a:xfrm>
+          <a:prstGeom prst="rect">
+            <a:avLst/>
+          </a:prstGeom>
+          <a:noFill/>
+          <a:ln>
+            <a:solidFill>
+              <a:schemeClr val="bg2">
+                <a:lumMod val="90000"/>
+              </a:schemeClr>
+            </a:solidFill>
+          </a:ln>
+        </p:spPr>
+        <p:style>
+          <a:lnRef idx="2">
+            <a:schemeClr val="accent1">
+              <a:shade val="15000"/>
+            </a:schemeClr>
+          </a:lnRef>
+          <a:fillRef idx="1">
+            <a:schemeClr val="accent1"/>
+          </a:fillRef>
+          <a:effectRef idx="0">
+            <a:schemeClr val="accent1"/>
+          </a:effectRef>
+          <a:fontRef idx="minor">
+            <a:schemeClr val="lt1"/>
+          </a:fontRef>
+        </p:style>
+        <p:txBody>
+          <a:bodyPr rtlCol="0" anchor="ctr"/>
+          <a:lstStyle/>
+          <a:p>
+            <a:pPr algn="ctr"/>
+            <a:endParaRPr lang="en-GB"/>
+          </a:p>
+        </p:txBody>
+      </p:sp>
+      <p:sp>
+        <p:nvSpPr>
+          <p:cNvPr id="8" name="Rectangle 7">
+            <a:extLst>
+              <a:ext uri="{FF2B5EF4-FFF2-40B4-BE49-F238E27FC236}">
+                <a16:creationId xmlns:a16="http://schemas.microsoft.com/office/drawing/2014/main" id="{C877D0F3-C9F5-CBA3-6120-25D1A43CAE80}"/>
+              </a:ext>
+            </a:extLst>
+          </p:cNvPr>
+          <p:cNvSpPr/>
+          <p:nvPr/>
+        </p:nvSpPr>
+        <p:spPr>
+          <a:xfrm>
+            <a:off x="5229811" y="2272011"/>
+            <a:ext cx="1618491" cy="1618491"/>
+          </a:xfrm>
+          <a:prstGeom prst="rect">
+            <a:avLst/>
+          </a:prstGeom>
+          <a:blipFill>
+            <a:blip r:embed="rId3"/>
+            <a:stretch>
+              <a:fillRect/>
+            </a:stretch>
+          </a:blipFill>
+        </p:spPr>
+        <p:style>
+          <a:lnRef idx="2">
+            <a:schemeClr val="accent1">
+              <a:shade val="15000"/>
+            </a:schemeClr>
+          </a:lnRef>
+          <a:fillRef idx="1">
+            <a:schemeClr val="accent1"/>
+          </a:fillRef>
+          <a:effectRef idx="0">
+            <a:schemeClr val="accent1"/>
+          </a:effectRef>
+          <a:fontRef idx="minor">
+            <a:schemeClr val="lt1"/>
+          </a:fontRef>
+        </p:style>
+        <p:txBody>
+          <a:bodyPr rtlCol="0" anchor="ctr"/>
+          <a:lstStyle/>
+          <a:p>
+            <a:pPr algn="ctr"/>
+            <a:endParaRPr lang="en-GB"/>
+          </a:p>
+        </p:txBody>
+      </p:sp>
+      <p:sp>
+        <p:nvSpPr>
+          <p:cNvPr id="14" name="Rectangle 13">
+            <a:extLst>
+              <a:ext uri="{FF2B5EF4-FFF2-40B4-BE49-F238E27FC236}">
+                <a16:creationId xmlns:a16="http://schemas.microsoft.com/office/drawing/2014/main" id="{88B22E49-8FEE-7C25-0E64-07177F31A730}"/>
+              </a:ext>
+            </a:extLst>
+          </p:cNvPr>
+          <p:cNvSpPr/>
+          <p:nvPr/>
+        </p:nvSpPr>
+        <p:spPr>
+          <a:xfrm>
+            <a:off x="7134816" y="2272011"/>
+            <a:ext cx="1618491" cy="1618491"/>
+          </a:xfrm>
+          <a:prstGeom prst="rect">
+            <a:avLst/>
+          </a:prstGeom>
+          <a:blipFill>
+            <a:blip r:embed="rId4"/>
+            <a:stretch>
+              <a:fillRect/>
+            </a:stretch>
+          </a:blipFill>
+        </p:spPr>
+        <p:style>
+          <a:lnRef idx="2">
+            <a:schemeClr val="accent1">
+              <a:shade val="15000"/>
+            </a:schemeClr>
+          </a:lnRef>
+          <a:fillRef idx="1">
+            <a:schemeClr val="accent1"/>
+          </a:fillRef>
+          <a:effectRef idx="0">
+            <a:schemeClr val="accent1"/>
+          </a:effectRef>
+          <a:fontRef idx="minor">
+            <a:schemeClr val="lt1"/>
+          </a:fontRef>
+        </p:style>
+        <p:txBody>
+          <a:bodyPr rtlCol="0" anchor="ctr"/>
+          <a:lstStyle/>
+          <a:p>
+            <a:pPr algn="ctr"/>
+            <a:endParaRPr lang="en-GB"/>
+          </a:p>
+        </p:txBody>
+      </p:sp>
+      <p:sp>
+        <p:nvSpPr>
+          <p:cNvPr id="15" name="Rectangle 14">
+            <a:extLst>
+              <a:ext uri="{FF2B5EF4-FFF2-40B4-BE49-F238E27FC236}">
+                <a16:creationId xmlns:a16="http://schemas.microsoft.com/office/drawing/2014/main" id="{CBAA1E4A-3DDC-4152-9F84-236B1A712F5B}"/>
+              </a:ext>
+            </a:extLst>
+          </p:cNvPr>
+          <p:cNvSpPr/>
+          <p:nvPr/>
+        </p:nvSpPr>
+        <p:spPr>
+          <a:xfrm>
+            <a:off x="9039821" y="2272010"/>
+            <a:ext cx="1618491" cy="1618491"/>
+          </a:xfrm>
+          <a:prstGeom prst="rect">
+            <a:avLst/>
+          </a:prstGeom>
+          <a:blipFill>
+            <a:blip r:embed="rId5"/>
+            <a:stretch>
+              <a:fillRect/>
+            </a:stretch>
+          </a:blipFill>
+        </p:spPr>
+        <p:style>
+          <a:lnRef idx="2">
+            <a:schemeClr val="accent1">
+              <a:shade val="15000"/>
+            </a:schemeClr>
+          </a:lnRef>
+          <a:fillRef idx="1">
+            <a:schemeClr val="accent1"/>
+          </a:fillRef>
+          <a:effectRef idx="0">
+            <a:schemeClr val="accent1"/>
+          </a:effectRef>
+          <a:fontRef idx="minor">
+            <a:schemeClr val="lt1"/>
+          </a:fontRef>
+        </p:style>
+        <p:txBody>
+          <a:bodyPr rtlCol="0" anchor="ctr"/>
+          <a:lstStyle/>
+          <a:p>
+            <a:pPr algn="ctr"/>
+            <a:endParaRPr lang="en-GB"/>
+          </a:p>
+        </p:txBody>
+      </p:sp>
+      <p:sp>
+        <p:nvSpPr>
+          <p:cNvPr id="16" name="Rectangle 15">
+            <a:extLst>
+              <a:ext uri="{FF2B5EF4-FFF2-40B4-BE49-F238E27FC236}">
+                <a16:creationId xmlns:a16="http://schemas.microsoft.com/office/drawing/2014/main" id="{1FF76F6D-2F5F-91C7-119D-C27EB2AA2500}"/>
+              </a:ext>
+            </a:extLst>
+          </p:cNvPr>
+          <p:cNvSpPr/>
+          <p:nvPr/>
+        </p:nvSpPr>
+        <p:spPr>
+          <a:xfrm>
+            <a:off x="3324806" y="2233151"/>
+            <a:ext cx="1618491" cy="1618491"/>
+          </a:xfrm>
+          <a:prstGeom prst="rect">
+            <a:avLst/>
+          </a:prstGeom>
+          <a:blipFill>
+            <a:blip r:embed="rId6"/>
+            <a:stretch>
+              <a:fillRect/>
+            </a:stretch>
+          </a:blipFill>
+        </p:spPr>
+        <p:style>
+          <a:lnRef idx="2">
+            <a:schemeClr val="accent1">
+              <a:shade val="15000"/>
+            </a:schemeClr>
+          </a:lnRef>
+          <a:fillRef idx="1">
+            <a:schemeClr val="accent1"/>
+          </a:fillRef>
+          <a:effectRef idx="0">
+            <a:schemeClr val="accent1"/>
+          </a:effectRef>
+          <a:fontRef idx="minor">
+            <a:schemeClr val="lt1"/>
+          </a:fontRef>
+        </p:style>
+        <p:txBody>
+          <a:bodyPr rtlCol="0" anchor="ctr"/>
+          <a:lstStyle/>
+          <a:p>
+            <a:pPr algn="ctr"/>
+            <a:endParaRPr lang="en-GB"/>
+          </a:p>
+        </p:txBody>
+      </p:sp>
+      <p:sp>
+        <p:nvSpPr>
+          <p:cNvPr id="17" name="Rectangle 16">
+            <a:extLst>
+              <a:ext uri="{FF2B5EF4-FFF2-40B4-BE49-F238E27FC236}">
+                <a16:creationId xmlns:a16="http://schemas.microsoft.com/office/drawing/2014/main" id="{C3E3C664-A640-CE63-4F29-F7FBE2CBDD47}"/>
+              </a:ext>
+            </a:extLst>
+          </p:cNvPr>
+          <p:cNvSpPr/>
+          <p:nvPr/>
+        </p:nvSpPr>
+        <p:spPr>
+          <a:xfrm>
+            <a:off x="1419801" y="2272009"/>
+            <a:ext cx="1618491" cy="1618491"/>
+          </a:xfrm>
+          <a:prstGeom prst="rect">
+            <a:avLst/>
+          </a:prstGeom>
+          <a:blipFill>
+            <a:blip r:embed="rId7"/>
+            <a:stretch>
+              <a:fillRect/>
+            </a:stretch>
+          </a:blipFill>
+        </p:spPr>
+        <p:style>
+          <a:lnRef idx="2">
+            <a:schemeClr val="accent1">
+              <a:shade val="15000"/>
+            </a:schemeClr>
+          </a:lnRef>
+          <a:fillRef idx="1">
+            <a:schemeClr val="accent1"/>
+          </a:fillRef>
+          <a:effectRef idx="0">
+            <a:schemeClr val="accent1"/>
+          </a:effectRef>
+          <a:fontRef idx="minor">
+            <a:schemeClr val="lt1"/>
+          </a:fontRef>
+        </p:style>
+        <p:txBody>
+          <a:bodyPr rtlCol="0" anchor="ctr"/>
+          <a:lstStyle/>
+          <a:p>
+            <a:pPr algn="ctr"/>
+            <a:endParaRPr lang="en-GB" dirty="0"/>
+          </a:p>
+        </p:txBody>
+      </p:sp>
+      <p:sp>
+        <p:nvSpPr>
+          <p:cNvPr id="18" name="TextBox 17">
+            <a:extLst>
+              <a:ext uri="{FF2B5EF4-FFF2-40B4-BE49-F238E27FC236}">
+                <a16:creationId xmlns:a16="http://schemas.microsoft.com/office/drawing/2014/main" id="{1CEA7771-F1E1-8AC9-4FA6-B4DEF1B64412}"/>
+              </a:ext>
+            </a:extLst>
+          </p:cNvPr>
+          <p:cNvSpPr txBox="1"/>
+          <p:nvPr/>
+        </p:nvSpPr>
+        <p:spPr>
+          <a:xfrm>
+            <a:off x="1619446" y="3890500"/>
+            <a:ext cx="1219200" cy="338554"/>
+          </a:xfrm>
+          <a:prstGeom prst="rect">
+            <a:avLst/>
+          </a:prstGeom>
+          <a:noFill/>
+        </p:spPr>
+        <p:txBody>
+          <a:bodyPr wrap="square" rtlCol="0">
+            <a:spAutoFit/>
+          </a:bodyPr>
+          <a:lstStyle/>
+          <a:p>
+            <a:pPr algn="ctr"/>
+            <a:r>
+              <a:rPr lang="en-GB" sz="1600" dirty="0" err="1">
+                <a:solidFill>
+                  <a:schemeClr val="bg2">
+                    <a:lumMod val="75000"/>
+                  </a:schemeClr>
+                </a:solidFill>
+              </a:rPr>
+              <a:t>Ammarah</a:t>
+            </a:r>
+            <a:endParaRPr lang="en-GB" sz="1600" dirty="0">
+              <a:solidFill>
+                <a:schemeClr val="bg2">
+                  <a:lumMod val="75000"/>
+                </a:schemeClr>
+              </a:solidFill>
+            </a:endParaRPr>
+          </a:p>
+        </p:txBody>
+      </p:sp>
+      <p:sp>
+        <p:nvSpPr>
+          <p:cNvPr id="19" name="TextBox 18">
+            <a:extLst>
+              <a:ext uri="{FF2B5EF4-FFF2-40B4-BE49-F238E27FC236}">
+                <a16:creationId xmlns:a16="http://schemas.microsoft.com/office/drawing/2014/main" id="{213FA022-E9F2-F30C-2C13-5E3338A981DB}"/>
+              </a:ext>
+            </a:extLst>
+          </p:cNvPr>
+          <p:cNvSpPr txBox="1"/>
+          <p:nvPr/>
+        </p:nvSpPr>
+        <p:spPr>
+          <a:xfrm>
+            <a:off x="3524451" y="3870693"/>
+            <a:ext cx="1219200" cy="338554"/>
+          </a:xfrm>
+          <a:prstGeom prst="rect">
+            <a:avLst/>
+          </a:prstGeom>
+          <a:noFill/>
+        </p:spPr>
+        <p:txBody>
+          <a:bodyPr wrap="square" rtlCol="0">
+            <a:spAutoFit/>
+          </a:bodyPr>
+          <a:lstStyle/>
+          <a:p>
+            <a:pPr algn="ctr"/>
+            <a:r>
+              <a:rPr lang="en-GB" sz="1600" dirty="0">
+                <a:solidFill>
+                  <a:schemeClr val="bg2">
+                    <a:lumMod val="75000"/>
+                  </a:schemeClr>
+                </a:solidFill>
+              </a:rPr>
+              <a:t>Eoghan</a:t>
+            </a:r>
+          </a:p>
+        </p:txBody>
+      </p:sp>
+      <p:sp>
+        <p:nvSpPr>
+          <p:cNvPr id="20" name="TextBox 19">
+            <a:extLst>
+              <a:ext uri="{FF2B5EF4-FFF2-40B4-BE49-F238E27FC236}">
+                <a16:creationId xmlns:a16="http://schemas.microsoft.com/office/drawing/2014/main" id="{BFA69AAE-1CED-1876-9593-162DECB460D2}"/>
+              </a:ext>
+            </a:extLst>
+          </p:cNvPr>
+          <p:cNvSpPr txBox="1"/>
+          <p:nvPr/>
+        </p:nvSpPr>
+        <p:spPr>
+          <a:xfrm>
+            <a:off x="5434791" y="3890500"/>
+            <a:ext cx="1219200" cy="338554"/>
+          </a:xfrm>
+          <a:prstGeom prst="rect">
+            <a:avLst/>
+          </a:prstGeom>
+          <a:noFill/>
+        </p:spPr>
+        <p:txBody>
+          <a:bodyPr wrap="square" rtlCol="0">
+            <a:spAutoFit/>
+          </a:bodyPr>
+          <a:lstStyle/>
+          <a:p>
+            <a:pPr algn="ctr"/>
+            <a:r>
+              <a:rPr lang="en-GB" sz="1600" dirty="0">
+                <a:solidFill>
+                  <a:schemeClr val="bg2">
+                    <a:lumMod val="75000"/>
+                  </a:schemeClr>
+                </a:solidFill>
+              </a:rPr>
+              <a:t>Nana</a:t>
+            </a:r>
+          </a:p>
+        </p:txBody>
+      </p:sp>
+      <p:sp>
+        <p:nvSpPr>
+          <p:cNvPr id="21" name="TextBox 20">
+            <a:extLst>
+              <a:ext uri="{FF2B5EF4-FFF2-40B4-BE49-F238E27FC236}">
+                <a16:creationId xmlns:a16="http://schemas.microsoft.com/office/drawing/2014/main" id="{D438B041-78BE-C519-31C0-BDF209F86753}"/>
+              </a:ext>
+            </a:extLst>
+          </p:cNvPr>
+          <p:cNvSpPr txBox="1"/>
+          <p:nvPr/>
+        </p:nvSpPr>
+        <p:spPr>
+          <a:xfrm>
+            <a:off x="7334463" y="3890500"/>
+            <a:ext cx="1219200" cy="338554"/>
+          </a:xfrm>
+          <a:prstGeom prst="rect">
+            <a:avLst/>
+          </a:prstGeom>
+          <a:noFill/>
+        </p:spPr>
+        <p:txBody>
+          <a:bodyPr wrap="square" rtlCol="0">
+            <a:spAutoFit/>
+          </a:bodyPr>
+          <a:lstStyle/>
+          <a:p>
+            <a:pPr algn="ctr"/>
+            <a:r>
+              <a:rPr lang="en-GB" sz="1600" dirty="0">
+                <a:solidFill>
+                  <a:schemeClr val="bg2">
+                    <a:lumMod val="75000"/>
+                  </a:schemeClr>
+                </a:solidFill>
+              </a:rPr>
+              <a:t>Nida</a:t>
+            </a:r>
+          </a:p>
+        </p:txBody>
+      </p:sp>
+      <p:sp>
+        <p:nvSpPr>
+          <p:cNvPr id="22" name="TextBox 21">
+            <a:extLst>
+              <a:ext uri="{FF2B5EF4-FFF2-40B4-BE49-F238E27FC236}">
+                <a16:creationId xmlns:a16="http://schemas.microsoft.com/office/drawing/2014/main" id="{F404D371-EE39-6404-A04A-2FD48F4621CC}"/>
+              </a:ext>
+            </a:extLst>
+          </p:cNvPr>
+          <p:cNvSpPr txBox="1"/>
+          <p:nvPr/>
+        </p:nvSpPr>
+        <p:spPr>
+          <a:xfrm>
+            <a:off x="9239466" y="3890500"/>
+            <a:ext cx="1219200" cy="338554"/>
+          </a:xfrm>
+          <a:prstGeom prst="rect">
+            <a:avLst/>
+          </a:prstGeom>
+          <a:noFill/>
+        </p:spPr>
+        <p:txBody>
+          <a:bodyPr wrap="square" rtlCol="0">
+            <a:spAutoFit/>
+          </a:bodyPr>
+          <a:lstStyle/>
+          <a:p>
+            <a:pPr algn="ctr"/>
+            <a:r>
+              <a:rPr lang="en-GB" sz="1600" dirty="0">
+                <a:solidFill>
+                  <a:schemeClr val="bg2">
+                    <a:lumMod val="75000"/>
+                  </a:schemeClr>
+                </a:solidFill>
+              </a:rPr>
+              <a:t>Safa</a:t>
+            </a:r>
+          </a:p>
+        </p:txBody>
+      </p:sp>
+    </p:spTree>
+    <p:extLst>
+      <p:ext uri="{BB962C8B-B14F-4D97-AF65-F5344CB8AC3E}">
+        <p14:creationId xmlns:p14="http://schemas.microsoft.com/office/powerpoint/2010/main" val="921993545"/>
+      </p:ext>
+    </p:extLst>
+  </p:cSld>
+  <p:clrMapOvr>
+    <a:masterClrMapping/>
+  </p:clrMapOvr>
+</p:sld>
+</file>
+
+<file path=ppt/slides/slide3.xml><?xml version="1.0" encoding="utf-8"?>
+<p:sld xmlns:a="http://schemas.openxmlformats.org/drawingml/2006/main" xmlns:r="http://schemas.openxmlformats.org/officeDocument/2006/relationships" xmlns:p="http://schemas.openxmlformats.org/presentationml/2006/main">
+  <p:cSld>
+    <p:spTree>
+      <p:nvGrpSpPr>
+        <p:cNvPr id="1" name=""/>
+        <p:cNvGrpSpPr/>
+        <p:nvPr/>
+      </p:nvGrpSpPr>
+      <p:grpSpPr>
+        <a:xfrm>
+          <a:off x="0" y="0"/>
+          <a:ext cx="0" cy="0"/>
+          <a:chOff x="0" y="0"/>
+          <a:chExt cx="0" cy="0"/>
+        </a:xfrm>
+      </p:grpSpPr>
+      <p:sp>
+        <p:nvSpPr>
+          <p:cNvPr id="10" name="Rectangle 9">
+            <a:extLst>
+              <a:ext uri="{FF2B5EF4-FFF2-40B4-BE49-F238E27FC236}">
+                <a16:creationId xmlns:a16="http://schemas.microsoft.com/office/drawing/2014/main" id="{7F0518FF-0D46-AB3E-B071-40C908A3C226}"/>
+              </a:ext>
+            </a:extLst>
+          </p:cNvPr>
+          <p:cNvSpPr/>
+          <p:nvPr/>
+        </p:nvSpPr>
+        <p:spPr>
+          <a:xfrm>
+            <a:off x="3108960" y="881149"/>
+            <a:ext cx="7054734" cy="1080654"/>
+          </a:xfrm>
+          <a:prstGeom prst="rect">
+            <a:avLst/>
+          </a:prstGeom>
+          <a:solidFill>
+            <a:srgbClr val="D23222"/>
+          </a:solidFill>
+          <a:ln>
+            <a:noFill/>
+          </a:ln>
+        </p:spPr>
+        <p:style>
+          <a:lnRef idx="2">
+            <a:schemeClr val="accent1">
+              <a:shade val="15000"/>
+            </a:schemeClr>
+          </a:lnRef>
+          <a:fillRef idx="1">
+            <a:schemeClr val="accent1"/>
+          </a:fillRef>
+          <a:effectRef idx="0">
+            <a:schemeClr val="accent1"/>
+          </a:effectRef>
+          <a:fontRef idx="minor">
+            <a:schemeClr val="lt1"/>
+          </a:fontRef>
+        </p:style>
+        <p:txBody>
+          <a:bodyPr rtlCol="0" anchor="ctr"/>
+          <a:lstStyle/>
+          <a:p>
+            <a:pPr algn="ctr"/>
+            <a:r>
+              <a:rPr lang="en-GB" dirty="0"/>
+              <a:t>How has Netflix’s content strategy for TV shows evolved?</a:t>
+            </a:r>
+          </a:p>
+        </p:txBody>
+      </p:sp>
+      <p:sp>
+        <p:nvSpPr>
+          <p:cNvPr id="11" name="Rectangle 10">
+            <a:extLst>
+              <a:ext uri="{FF2B5EF4-FFF2-40B4-BE49-F238E27FC236}">
+                <a16:creationId xmlns:a16="http://schemas.microsoft.com/office/drawing/2014/main" id="{A0587732-EA07-3912-574B-98D6EA2E019E}"/>
+              </a:ext>
+            </a:extLst>
+          </p:cNvPr>
+          <p:cNvSpPr/>
+          <p:nvPr/>
+        </p:nvSpPr>
+        <p:spPr>
+          <a:xfrm>
+            <a:off x="3108960" y="2230581"/>
+            <a:ext cx="7054734" cy="1080654"/>
+          </a:xfrm>
+          <a:prstGeom prst="rect">
+            <a:avLst/>
+          </a:prstGeom>
+          <a:solidFill>
+            <a:srgbClr val="223042"/>
+          </a:solidFill>
+          <a:ln>
+            <a:noFill/>
+          </a:ln>
+        </p:spPr>
+        <p:style>
+          <a:lnRef idx="2">
+            <a:schemeClr val="accent1">
+              <a:shade val="15000"/>
+            </a:schemeClr>
+          </a:lnRef>
+          <a:fillRef idx="1">
+            <a:schemeClr val="accent1"/>
+          </a:fillRef>
+          <a:effectRef idx="0">
+            <a:schemeClr val="accent1"/>
+          </a:effectRef>
+          <a:fontRef idx="minor">
+            <a:schemeClr val="lt1"/>
+          </a:fontRef>
+        </p:style>
+        <p:txBody>
+          <a:bodyPr rtlCol="0" anchor="ctr"/>
+          <a:lstStyle/>
+          <a:p>
+            <a:pPr algn="ctr"/>
+            <a:r>
+              <a:rPr lang="en-GB" dirty="0"/>
+              <a:t>What are the factors that determine a show’s success/popularity?</a:t>
+            </a:r>
+          </a:p>
+        </p:txBody>
+      </p:sp>
+      <p:sp>
+        <p:nvSpPr>
+          <p:cNvPr id="12" name="Rectangle 11">
+            <a:extLst>
+              <a:ext uri="{FF2B5EF4-FFF2-40B4-BE49-F238E27FC236}">
+                <a16:creationId xmlns:a16="http://schemas.microsoft.com/office/drawing/2014/main" id="{2BDBE278-93F3-5539-936A-4C4FB905DAFA}"/>
+              </a:ext>
+            </a:extLst>
+          </p:cNvPr>
+          <p:cNvSpPr/>
+          <p:nvPr/>
+        </p:nvSpPr>
+        <p:spPr>
+          <a:xfrm>
+            <a:off x="3108960" y="3580013"/>
+            <a:ext cx="7054734" cy="1080654"/>
+          </a:xfrm>
+          <a:prstGeom prst="rect">
+            <a:avLst/>
+          </a:prstGeom>
+          <a:solidFill>
+            <a:srgbClr val="5C6E63"/>
+          </a:solidFill>
+          <a:ln>
+            <a:noFill/>
+          </a:ln>
+        </p:spPr>
+        <p:style>
+          <a:lnRef idx="2">
+            <a:schemeClr val="accent1">
+              <a:shade val="15000"/>
+            </a:schemeClr>
+          </a:lnRef>
+          <a:fillRef idx="1">
+            <a:schemeClr val="accent1"/>
+          </a:fillRef>
+          <a:effectRef idx="0">
+            <a:schemeClr val="accent1"/>
+          </a:effectRef>
+          <a:fontRef idx="minor">
+            <a:schemeClr val="lt1"/>
+          </a:fontRef>
+        </p:style>
+        <p:txBody>
+          <a:bodyPr rtlCol="0" anchor="ctr"/>
+          <a:lstStyle/>
+          <a:p>
+            <a:pPr algn="ctr"/>
+            <a:r>
+              <a:rPr lang="en-GB" dirty="0"/>
+              <a:t>Has there been a shift in target audience demographics?</a:t>
+            </a:r>
+          </a:p>
+        </p:txBody>
+      </p:sp>
+      <p:sp>
+        <p:nvSpPr>
+          <p:cNvPr id="13" name="Rectangle 12">
+            <a:extLst>
+              <a:ext uri="{FF2B5EF4-FFF2-40B4-BE49-F238E27FC236}">
+                <a16:creationId xmlns:a16="http://schemas.microsoft.com/office/drawing/2014/main" id="{D1FFCCAC-5941-2111-5A62-BF826DDEA761}"/>
+              </a:ext>
+            </a:extLst>
+          </p:cNvPr>
+          <p:cNvSpPr/>
+          <p:nvPr/>
+        </p:nvSpPr>
+        <p:spPr>
+          <a:xfrm>
+            <a:off x="3108960" y="4943302"/>
+            <a:ext cx="7054734" cy="1080654"/>
+          </a:xfrm>
+          <a:prstGeom prst="rect">
+            <a:avLst/>
+          </a:prstGeom>
+          <a:solidFill>
+            <a:srgbClr val="85A070"/>
+          </a:solidFill>
+          <a:ln>
+            <a:noFill/>
+          </a:ln>
+        </p:spPr>
+        <p:style>
+          <a:lnRef idx="2">
+            <a:schemeClr val="accent1">
+              <a:shade val="15000"/>
+            </a:schemeClr>
+          </a:lnRef>
+          <a:fillRef idx="1">
+            <a:schemeClr val="accent1"/>
+          </a:fillRef>
+          <a:effectRef idx="0">
+            <a:schemeClr val="accent1"/>
+          </a:effectRef>
+          <a:fontRef idx="minor">
+            <a:schemeClr val="lt1"/>
+          </a:fontRef>
+        </p:style>
+        <p:txBody>
+          <a:bodyPr rtlCol="0" anchor="ctr"/>
+          <a:lstStyle/>
+          <a:p>
+            <a:pPr algn="ctr"/>
+            <a:r>
+              <a:rPr lang="en-GB" dirty="0"/>
+              <a:t>Did the pandemic change tastes in favour of reality TV?</a:t>
+            </a:r>
+          </a:p>
+        </p:txBody>
+      </p:sp>
+      <p:sp>
+        <p:nvSpPr>
+          <p:cNvPr id="2" name="Rectangle 1">
+            <a:extLst>
+              <a:ext uri="{FF2B5EF4-FFF2-40B4-BE49-F238E27FC236}">
+                <a16:creationId xmlns:a16="http://schemas.microsoft.com/office/drawing/2014/main" id="{FA55DD13-DA17-BA6B-CB50-30024D353077}"/>
+              </a:ext>
+            </a:extLst>
+          </p:cNvPr>
+          <p:cNvSpPr/>
+          <p:nvPr/>
+        </p:nvSpPr>
+        <p:spPr>
+          <a:xfrm>
+            <a:off x="2028306" y="881149"/>
+            <a:ext cx="1080654" cy="1080654"/>
+          </a:xfrm>
+          <a:prstGeom prst="rect">
+            <a:avLst/>
+          </a:prstGeom>
+          <a:solidFill>
+            <a:srgbClr val="D23222"/>
+          </a:solidFill>
+          <a:ln>
+            <a:noFill/>
+          </a:ln>
+        </p:spPr>
+        <p:style>
+          <a:lnRef idx="2">
+            <a:schemeClr val="accent1">
+              <a:shade val="15000"/>
+            </a:schemeClr>
+          </a:lnRef>
+          <a:fillRef idx="1">
+            <a:schemeClr val="accent1"/>
+          </a:fillRef>
+          <a:effectRef idx="0">
+            <a:schemeClr val="accent1"/>
+          </a:effectRef>
+          <a:fontRef idx="minor">
+            <a:schemeClr val="lt1"/>
+          </a:fontRef>
+        </p:style>
+        <p:txBody>
+          <a:bodyPr rtlCol="0" anchor="ctr"/>
+          <a:lstStyle/>
+          <a:p>
+            <a:pPr algn="ctr"/>
+            <a:r>
+              <a:rPr lang="en-GB" sz="4400" b="1" dirty="0"/>
+              <a:t>1</a:t>
+            </a:r>
+            <a:endParaRPr lang="en-GB" b="1" dirty="0"/>
+          </a:p>
+        </p:txBody>
+      </p:sp>
+      <p:sp>
+        <p:nvSpPr>
+          <p:cNvPr id="3" name="Rectangle 2">
+            <a:extLst>
+              <a:ext uri="{FF2B5EF4-FFF2-40B4-BE49-F238E27FC236}">
+                <a16:creationId xmlns:a16="http://schemas.microsoft.com/office/drawing/2014/main" id="{4380734E-6997-D168-A704-8432F06C883B}"/>
+              </a:ext>
+            </a:extLst>
+          </p:cNvPr>
+          <p:cNvSpPr/>
+          <p:nvPr/>
+        </p:nvSpPr>
+        <p:spPr>
+          <a:xfrm>
+            <a:off x="2028306" y="2230581"/>
+            <a:ext cx="1080654" cy="1080654"/>
+          </a:xfrm>
+          <a:prstGeom prst="rect">
+            <a:avLst/>
+          </a:prstGeom>
+          <a:solidFill>
+            <a:srgbClr val="223042"/>
+          </a:solidFill>
+          <a:ln>
+            <a:noFill/>
+          </a:ln>
+        </p:spPr>
+        <p:style>
+          <a:lnRef idx="2">
+            <a:schemeClr val="accent1">
+              <a:shade val="15000"/>
+            </a:schemeClr>
+          </a:lnRef>
+          <a:fillRef idx="1">
+            <a:schemeClr val="accent1"/>
+          </a:fillRef>
+          <a:effectRef idx="0">
+            <a:schemeClr val="accent1"/>
+          </a:effectRef>
+          <a:fontRef idx="minor">
+            <a:schemeClr val="lt1"/>
+          </a:fontRef>
+        </p:style>
+        <p:txBody>
+          <a:bodyPr rtlCol="0" anchor="ctr"/>
+          <a:lstStyle/>
+          <a:p>
+            <a:pPr algn="ctr"/>
+            <a:r>
+              <a:rPr lang="en-GB" sz="4400" b="1" dirty="0"/>
+              <a:t>2</a:t>
+            </a:r>
+          </a:p>
+        </p:txBody>
+      </p:sp>
+      <p:sp>
+        <p:nvSpPr>
+          <p:cNvPr id="4" name="Rectangle 3">
+            <a:extLst>
+              <a:ext uri="{FF2B5EF4-FFF2-40B4-BE49-F238E27FC236}">
+                <a16:creationId xmlns:a16="http://schemas.microsoft.com/office/drawing/2014/main" id="{F03F44CB-0FBD-B8A0-7C48-9DB5ADD7645A}"/>
+              </a:ext>
+            </a:extLst>
+          </p:cNvPr>
+          <p:cNvSpPr/>
+          <p:nvPr/>
+        </p:nvSpPr>
+        <p:spPr>
+          <a:xfrm>
+            <a:off x="2028306" y="3580013"/>
+            <a:ext cx="1080654" cy="1080654"/>
+          </a:xfrm>
+          <a:prstGeom prst="rect">
+            <a:avLst/>
+          </a:prstGeom>
+          <a:solidFill>
+            <a:srgbClr val="5C6E63"/>
+          </a:solidFill>
+          <a:ln>
+            <a:noFill/>
+          </a:ln>
+        </p:spPr>
+        <p:style>
+          <a:lnRef idx="2">
+            <a:schemeClr val="accent1">
+              <a:shade val="15000"/>
+            </a:schemeClr>
+          </a:lnRef>
+          <a:fillRef idx="1">
+            <a:schemeClr val="accent1"/>
+          </a:fillRef>
+          <a:effectRef idx="0">
+            <a:schemeClr val="accent1"/>
+          </a:effectRef>
+          <a:fontRef idx="minor">
+            <a:schemeClr val="lt1"/>
+          </a:fontRef>
+        </p:style>
+        <p:txBody>
+          <a:bodyPr rtlCol="0" anchor="ctr"/>
+          <a:lstStyle/>
+          <a:p>
+            <a:pPr algn="ctr"/>
+            <a:r>
+              <a:rPr lang="en-GB" sz="4400" b="1" dirty="0"/>
+              <a:t>3</a:t>
+            </a:r>
+          </a:p>
+        </p:txBody>
+      </p:sp>
+      <p:sp>
+        <p:nvSpPr>
+          <p:cNvPr id="5" name="Rectangle 4">
+            <a:extLst>
+              <a:ext uri="{FF2B5EF4-FFF2-40B4-BE49-F238E27FC236}">
+                <a16:creationId xmlns:a16="http://schemas.microsoft.com/office/drawing/2014/main" id="{B62BBFE1-C593-2C6C-8E90-3AE8FCC050BC}"/>
+              </a:ext>
+            </a:extLst>
+          </p:cNvPr>
+          <p:cNvSpPr/>
+          <p:nvPr/>
+        </p:nvSpPr>
+        <p:spPr>
+          <a:xfrm>
+            <a:off x="2028306" y="4943302"/>
+            <a:ext cx="1080654" cy="1080654"/>
+          </a:xfrm>
+          <a:prstGeom prst="rect">
+            <a:avLst/>
+          </a:prstGeom>
+          <a:solidFill>
+            <a:srgbClr val="85A070"/>
+          </a:solidFill>
+          <a:ln>
+            <a:noFill/>
+          </a:ln>
+        </p:spPr>
+        <p:style>
+          <a:lnRef idx="2">
+            <a:schemeClr val="accent1">
+              <a:shade val="15000"/>
+            </a:schemeClr>
+          </a:lnRef>
+          <a:fillRef idx="1">
+            <a:schemeClr val="accent1"/>
+          </a:fillRef>
+          <a:effectRef idx="0">
+            <a:schemeClr val="accent1"/>
+          </a:effectRef>
+          <a:fontRef idx="minor">
+            <a:schemeClr val="lt1"/>
+          </a:fontRef>
+        </p:style>
+        <p:txBody>
+          <a:bodyPr rtlCol="0" anchor="ctr"/>
+          <a:lstStyle/>
+          <a:p>
+            <a:pPr algn="ctr"/>
+            <a:r>
+              <a:rPr lang="en-GB" sz="4400" b="1" dirty="0"/>
+              <a:t>4</a:t>
+            </a:r>
+          </a:p>
+        </p:txBody>
+      </p:sp>
+      <p:sp>
+        <p:nvSpPr>
+          <p:cNvPr id="14" name="Rectangle 13">
+            <a:extLst>
+              <a:ext uri="{FF2B5EF4-FFF2-40B4-BE49-F238E27FC236}">
+                <a16:creationId xmlns:a16="http://schemas.microsoft.com/office/drawing/2014/main" id="{34062830-5D6F-510C-BD23-60A2F9873A54}"/>
+              </a:ext>
+            </a:extLst>
+          </p:cNvPr>
+          <p:cNvSpPr/>
+          <p:nvPr/>
+        </p:nvSpPr>
+        <p:spPr>
+          <a:xfrm>
+            <a:off x="0" y="0"/>
+            <a:ext cx="2028306" cy="6858000"/>
+          </a:xfrm>
+          <a:prstGeom prst="rect">
+            <a:avLst/>
+          </a:prstGeom>
+          <a:solidFill>
+            <a:srgbClr val="101010"/>
+          </a:solidFill>
+          <a:ln>
+            <a:noFill/>
+          </a:ln>
+        </p:spPr>
+        <p:style>
+          <a:lnRef idx="2">
+            <a:schemeClr val="accent1">
+              <a:shade val="15000"/>
+            </a:schemeClr>
+          </a:lnRef>
+          <a:fillRef idx="1">
+            <a:schemeClr val="accent1"/>
+          </a:fillRef>
+          <a:effectRef idx="0">
+            <a:schemeClr val="accent1"/>
+          </a:effectRef>
+          <a:fontRef idx="minor">
+            <a:schemeClr val="lt1"/>
+          </a:fontRef>
+        </p:style>
+        <p:txBody>
+          <a:bodyPr vert="vert270" rtlCol="0" anchor="ctr"/>
+          <a:lstStyle/>
+          <a:p>
+            <a:pPr algn="ctr"/>
+            <a:r>
+              <a:rPr lang="en-GB" sz="4800" dirty="0">
+                <a:solidFill>
+                  <a:schemeClr val="bg2">
+                    <a:lumMod val="90000"/>
+                  </a:schemeClr>
+                </a:solidFill>
+                <a:latin typeface="+mj-lt"/>
+              </a:rPr>
+              <a:t>Research Questions</a:t>
+            </a:r>
+          </a:p>
+        </p:txBody>
+      </p:sp>
+    </p:spTree>
+    <p:extLst>
+      <p:ext uri="{BB962C8B-B14F-4D97-AF65-F5344CB8AC3E}">
+        <p14:creationId xmlns:p14="http://schemas.microsoft.com/office/powerpoint/2010/main" val="1896630681"/>
+      </p:ext>
+    </p:extLst>
+  </p:cSld>
+  <p:clrMapOvr>
+    <a:masterClrMapping/>
+  </p:clrMapOvr>
+  <p:timing>
+    <p:tnLst>
+      <p:par>
+        <p:cTn id="1" dur="indefinite" restart="never" nodeType="tmRoot">
+          <p:childTnLst>
+            <p:seq concurrent="1" nextAc="seek">
+              <p:cTn id="2" dur="indefinite" nodeType="mainSeq">
+                <p:childTnLst>
+                  <p:par>
+                    <p:cTn id="3" fill="hold">
+                      <p:stCondLst>
+                        <p:cond delay="indefinite"/>
+                      </p:stCondLst>
+                      <p:childTnLst>
+                        <p:par>
+                          <p:cTn id="4" fill="hold">
+                            <p:stCondLst>
+                              <p:cond delay="0"/>
+                            </p:stCondLst>
+                            <p:childTnLst>
+                              <p:par>
+                                <p:cTn id="5" presetID="2" presetClass="entr" presetSubtype="8" fill="hold" grpId="0" nodeType="clickEffect">
+                                  <p:stCondLst>
+                                    <p:cond delay="0"/>
+                                  </p:stCondLst>
+                                  <p:childTnLst>
+                                    <p:set>
+                                      <p:cBhvr>
+                                        <p:cTn id="6" dur="1" fill="hold">
+                                          <p:stCondLst>
+                                            <p:cond delay="0"/>
+                                          </p:stCondLst>
+                                        </p:cTn>
+                                        <p:tgtEl>
+                                          <p:spTgt spid="10"/>
+                                        </p:tgtEl>
+                                        <p:attrNameLst>
+                                          <p:attrName>style.visibility</p:attrName>
+                                        </p:attrNameLst>
+                                      </p:cBhvr>
+                                      <p:to>
+                                        <p:strVal val="visible"/>
+                                      </p:to>
+                                    </p:set>
+                                    <p:anim calcmode="lin" valueType="num">
+                                      <p:cBhvr additive="base">
+                                        <p:cTn id="7" dur="500" fill="hold"/>
+                                        <p:tgtEl>
+                                          <p:spTgt spid="10"/>
+                                        </p:tgtEl>
+                                        <p:attrNameLst>
+                                          <p:attrName>ppt_x</p:attrName>
+                                        </p:attrNameLst>
+                                      </p:cBhvr>
+                                      <p:tavLst>
+                                        <p:tav tm="0">
+                                          <p:val>
+                                            <p:strVal val="0-#ppt_w/2"/>
+                                          </p:val>
+                                        </p:tav>
+                                        <p:tav tm="100000">
+                                          <p:val>
+                                            <p:strVal val="#ppt_x"/>
+                                          </p:val>
+                                        </p:tav>
+                                      </p:tavLst>
+                                    </p:anim>
+                                    <p:anim calcmode="lin" valueType="num">
+                                      <p:cBhvr additive="base">
+                                        <p:cTn id="8" dur="500" fill="hold"/>
+                                        <p:tgtEl>
+                                          <p:spTgt spid="10"/>
+                                        </p:tgtEl>
+                                        <p:attrNameLst>
+                                          <p:attrName>ppt_y</p:attrName>
+                                        </p:attrNameLst>
+                                      </p:cBhvr>
+                                      <p:tavLst>
+                                        <p:tav tm="0">
+                                          <p:val>
+                                            <p:strVal val="#ppt_y"/>
+                                          </p:val>
+                                        </p:tav>
+                                        <p:tav tm="100000">
+                                          <p:val>
+                                            <p:strVal val="#ppt_y"/>
+                                          </p:val>
+                                        </p:tav>
+                                      </p:tavLst>
+                                    </p:anim>
+                                  </p:childTnLst>
+                                </p:cTn>
+                              </p:par>
+                            </p:childTnLst>
+                          </p:cTn>
+                        </p:par>
+                      </p:childTnLst>
+                    </p:cTn>
+                  </p:par>
+                  <p:par>
+                    <p:cTn id="9" fill="hold">
+                      <p:stCondLst>
+                        <p:cond delay="indefinite"/>
+                      </p:stCondLst>
+                      <p:childTnLst>
+                        <p:par>
+                          <p:cTn id="10" fill="hold">
+                            <p:stCondLst>
+                              <p:cond delay="0"/>
+                            </p:stCondLst>
+                            <p:childTnLst>
+                              <p:par>
+                                <p:cTn id="11" presetID="2" presetClass="entr" presetSubtype="8" fill="hold" grpId="0" nodeType="clickEffect">
+                                  <p:stCondLst>
+                                    <p:cond delay="0"/>
+                                  </p:stCondLst>
+                                  <p:childTnLst>
+                                    <p:set>
+                                      <p:cBhvr>
+                                        <p:cTn id="12" dur="1" fill="hold">
+                                          <p:stCondLst>
+                                            <p:cond delay="0"/>
+                                          </p:stCondLst>
+                                        </p:cTn>
+                                        <p:tgtEl>
+                                          <p:spTgt spid="11"/>
+                                        </p:tgtEl>
+                                        <p:attrNameLst>
+                                          <p:attrName>style.visibility</p:attrName>
+                                        </p:attrNameLst>
+                                      </p:cBhvr>
+                                      <p:to>
+                                        <p:strVal val="visible"/>
+                                      </p:to>
+                                    </p:set>
+                                    <p:anim calcmode="lin" valueType="num">
+                                      <p:cBhvr additive="base">
+                                        <p:cTn id="13" dur="500" fill="hold"/>
+                                        <p:tgtEl>
+                                          <p:spTgt spid="11"/>
+                                        </p:tgtEl>
+                                        <p:attrNameLst>
+                                          <p:attrName>ppt_x</p:attrName>
+                                        </p:attrNameLst>
+                                      </p:cBhvr>
+                                      <p:tavLst>
+                                        <p:tav tm="0">
+                                          <p:val>
+                                            <p:strVal val="0-#ppt_w/2"/>
+                                          </p:val>
+                                        </p:tav>
+                                        <p:tav tm="100000">
+                                          <p:val>
+                                            <p:strVal val="#ppt_x"/>
+                                          </p:val>
+                                        </p:tav>
+                                      </p:tavLst>
+                                    </p:anim>
+                                    <p:anim calcmode="lin" valueType="num">
+                                      <p:cBhvr additive="base">
+                                        <p:cTn id="14" dur="500" fill="hold"/>
+                                        <p:tgtEl>
+                                          <p:spTgt spid="11"/>
+                                        </p:tgtEl>
+                                        <p:attrNameLst>
+                                          <p:attrName>ppt_y</p:attrName>
+                                        </p:attrNameLst>
+                                      </p:cBhvr>
+                                      <p:tavLst>
+                                        <p:tav tm="0">
+                                          <p:val>
+                                            <p:strVal val="#ppt_y"/>
+                                          </p:val>
+                                        </p:tav>
+                                        <p:tav tm="100000">
+                                          <p:val>
+                                            <p:strVal val="#ppt_y"/>
+                                          </p:val>
+                                        </p:tav>
+                                      </p:tavLst>
+                                    </p:anim>
+                                  </p:childTnLst>
+                                </p:cTn>
+                              </p:par>
+                            </p:childTnLst>
+                          </p:cTn>
+                        </p:par>
+                      </p:childTnLst>
+                    </p:cTn>
+                  </p:par>
+                  <p:par>
+                    <p:cTn id="15" fill="hold">
+                      <p:stCondLst>
+                        <p:cond delay="indefinite"/>
+                      </p:stCondLst>
+                      <p:childTnLst>
+                        <p:par>
+                          <p:cTn id="16" fill="hold">
+                            <p:stCondLst>
+                              <p:cond delay="0"/>
+                            </p:stCondLst>
+                            <p:childTnLst>
+                              <p:par>
+                                <p:cTn id="17" presetID="2" presetClass="entr" presetSubtype="8" fill="hold" grpId="0" nodeType="clickEffect">
+                                  <p:stCondLst>
+                                    <p:cond delay="0"/>
+                                  </p:stCondLst>
+                                  <p:childTnLst>
+                                    <p:set>
+                                      <p:cBhvr>
+                                        <p:cTn id="18" dur="1" fill="hold">
+                                          <p:stCondLst>
+                                            <p:cond delay="0"/>
+                                          </p:stCondLst>
+                                        </p:cTn>
+                                        <p:tgtEl>
+                                          <p:spTgt spid="12"/>
+                                        </p:tgtEl>
+                                        <p:attrNameLst>
+                                          <p:attrName>style.visibility</p:attrName>
+                                        </p:attrNameLst>
+                                      </p:cBhvr>
+                                      <p:to>
+                                        <p:strVal val="visible"/>
+                                      </p:to>
+                                    </p:set>
+                                    <p:anim calcmode="lin" valueType="num">
+                                      <p:cBhvr additive="base">
+                                        <p:cTn id="19" dur="500" fill="hold"/>
+                                        <p:tgtEl>
+                                          <p:spTgt spid="12"/>
+                                        </p:tgtEl>
+                                        <p:attrNameLst>
+                                          <p:attrName>ppt_x</p:attrName>
+                                        </p:attrNameLst>
+                                      </p:cBhvr>
+                                      <p:tavLst>
+                                        <p:tav tm="0">
+                                          <p:val>
+                                            <p:strVal val="0-#ppt_w/2"/>
+                                          </p:val>
+                                        </p:tav>
+                                        <p:tav tm="100000">
+                                          <p:val>
+                                            <p:strVal val="#ppt_x"/>
+                                          </p:val>
+                                        </p:tav>
+                                      </p:tavLst>
+                                    </p:anim>
+                                    <p:anim calcmode="lin" valueType="num">
+                                      <p:cBhvr additive="base">
+                                        <p:cTn id="20" dur="500" fill="hold"/>
+                                        <p:tgtEl>
+                                          <p:spTgt spid="12"/>
+                                        </p:tgtEl>
+                                        <p:attrNameLst>
+                                          <p:attrName>ppt_y</p:attrName>
+                                        </p:attrNameLst>
+                                      </p:cBhvr>
+                                      <p:tavLst>
+                                        <p:tav tm="0">
+                                          <p:val>
+                                            <p:strVal val="#ppt_y"/>
+                                          </p:val>
+                                        </p:tav>
+                                        <p:tav tm="100000">
+                                          <p:val>
+                                            <p:strVal val="#ppt_y"/>
+                                          </p:val>
+                                        </p:tav>
+                                      </p:tavLst>
+                                    </p:anim>
+                                  </p:childTnLst>
+                                </p:cTn>
+                              </p:par>
+                            </p:childTnLst>
+                          </p:cTn>
+                        </p:par>
+                      </p:childTnLst>
+                    </p:cTn>
+                  </p:par>
+                  <p:par>
+                    <p:cTn id="21" fill="hold">
+                      <p:stCondLst>
+                        <p:cond delay="indefinite"/>
+                      </p:stCondLst>
+                      <p:childTnLst>
+                        <p:par>
+                          <p:cTn id="22" fill="hold">
+                            <p:stCondLst>
+                              <p:cond delay="0"/>
+                            </p:stCondLst>
+                            <p:childTnLst>
+                              <p:par>
+                                <p:cTn id="23" presetID="2" presetClass="entr" presetSubtype="8" fill="hold" grpId="0" nodeType="clickEffect">
+                                  <p:stCondLst>
+                                    <p:cond delay="0"/>
+                                  </p:stCondLst>
+                                  <p:childTnLst>
+                                    <p:set>
+                                      <p:cBhvr>
+                                        <p:cTn id="24" dur="1" fill="hold">
+                                          <p:stCondLst>
+                                            <p:cond delay="0"/>
+                                          </p:stCondLst>
+                                        </p:cTn>
+                                        <p:tgtEl>
+                                          <p:spTgt spid="13"/>
+                                        </p:tgtEl>
+                                        <p:attrNameLst>
+                                          <p:attrName>style.visibility</p:attrName>
+                                        </p:attrNameLst>
+                                      </p:cBhvr>
+                                      <p:to>
+                                        <p:strVal val="visible"/>
+                                      </p:to>
+                                    </p:set>
+                                    <p:anim calcmode="lin" valueType="num">
+                                      <p:cBhvr additive="base">
+                                        <p:cTn id="25" dur="500" fill="hold"/>
+                                        <p:tgtEl>
+                                          <p:spTgt spid="13"/>
+                                        </p:tgtEl>
+                                        <p:attrNameLst>
+                                          <p:attrName>ppt_x</p:attrName>
+                                        </p:attrNameLst>
+                                      </p:cBhvr>
+                                      <p:tavLst>
+                                        <p:tav tm="0">
+                                          <p:val>
+                                            <p:strVal val="0-#ppt_w/2"/>
+                                          </p:val>
+                                        </p:tav>
+                                        <p:tav tm="100000">
+                                          <p:val>
+                                            <p:strVal val="#ppt_x"/>
+                                          </p:val>
+                                        </p:tav>
+                                      </p:tavLst>
+                                    </p:anim>
+                                    <p:anim calcmode="lin" valueType="num">
+                                      <p:cBhvr additive="base">
+                                        <p:cTn id="26" dur="500" fill="hold"/>
+                                        <p:tgtEl>
+                                          <p:spTgt spid="13"/>
+                                        </p:tgtEl>
+                                        <p:attrNameLst>
+                                          <p:attrName>ppt_y</p:attrName>
+                                        </p:attrNameLst>
+                                      </p:cBhvr>
+                                      <p:tavLst>
+                                        <p:tav tm="0">
+                                          <p:val>
+                                            <p:strVal val="#ppt_y"/>
+                                          </p:val>
+                                        </p:tav>
+                                        <p:tav tm="100000">
+                                          <p:val>
+                                            <p:strVal val="#ppt_y"/>
+                                          </p:val>
+                                        </p:tav>
+                                      </p:tavLst>
+                                    </p:anim>
+                                  </p:childTnLst>
+                                </p:cTn>
+                              </p:par>
+                            </p:childTnLst>
+                          </p:cTn>
+                        </p:par>
+                      </p:childTnLst>
+                    </p:cTn>
+                  </p:par>
+                </p:childTnLst>
+              </p:cTn>
+              <p:prevCondLst>
+                <p:cond evt="onPrev" delay="0">
+                  <p:tgtEl>
+                    <p:sldTgt/>
+                  </p:tgtEl>
+                </p:cond>
+              </p:prevCondLst>
+              <p:nextCondLst>
+                <p:cond evt="onNext" delay="0">
+                  <p:tgtEl>
+                    <p:sldTgt/>
+                  </p:tgtEl>
+                </p:cond>
+              </p:nextCondLst>
+            </p:seq>
+          </p:childTnLst>
+        </p:cTn>
+      </p:par>
+    </p:tnLst>
+    <p:bldLst>
+      <p:bldP spid="10" grpId="0" animBg="1"/>
+      <p:bldP spid="11" grpId="0" animBg="1"/>
+      <p:bldP spid="12" grpId="0" animBg="1"/>
+      <p:bldP spid="13" grpId="0" animBg="1"/>
+    </p:bldLst>
+  </p:timing>
+</p:sld>
+</file>
+
+<file path=ppt/slides/slide4.xml><?xml version="1.0" encoding="utf-8"?>
+<p:sld xmlns:a="http://schemas.openxmlformats.org/drawingml/2006/main" xmlns:r="http://schemas.openxmlformats.org/officeDocument/2006/relationships" xmlns:p="http://schemas.openxmlformats.org/presentationml/2006/main">
+  <p:cSld>
+    <p:spTree>
+      <p:nvGrpSpPr>
+        <p:cNvPr id="1" name=""/>
+        <p:cNvGrpSpPr/>
+        <p:nvPr/>
+      </p:nvGrpSpPr>
+      <p:grpSpPr>
+        <a:xfrm>
+          <a:off x="0" y="0"/>
+          <a:ext cx="0" cy="0"/>
+          <a:chOff x="0" y="0"/>
+          <a:chExt cx="0" cy="0"/>
+        </a:xfrm>
+      </p:grpSpPr>
+      <p:sp>
+        <p:nvSpPr>
+          <p:cNvPr id="2" name="Rectangle 1">
+            <a:extLst>
+              <a:ext uri="{FF2B5EF4-FFF2-40B4-BE49-F238E27FC236}">
+                <a16:creationId xmlns:a16="http://schemas.microsoft.com/office/drawing/2014/main" id="{E1BEB02F-5480-7E4C-4022-354C65363894}"/>
+              </a:ext>
+            </a:extLst>
+          </p:cNvPr>
+          <p:cNvSpPr/>
+          <p:nvPr/>
+        </p:nvSpPr>
+        <p:spPr>
+          <a:xfrm>
+            <a:off x="947651" y="232756"/>
+            <a:ext cx="11078094" cy="631767"/>
+          </a:xfrm>
+          <a:prstGeom prst="rect">
+            <a:avLst/>
+          </a:prstGeom>
+          <a:solidFill>
+            <a:srgbClr val="B1070D"/>
+          </a:solidFill>
+          <a:ln>
+            <a:noFill/>
+          </a:ln>
+        </p:spPr>
+        <p:style>
+          <a:lnRef idx="2">
+            <a:schemeClr val="accent1">
+              <a:shade val="15000"/>
+            </a:schemeClr>
+          </a:lnRef>
+          <a:fillRef idx="1">
+            <a:schemeClr val="accent1"/>
+          </a:fillRef>
+          <a:effectRef idx="0">
+            <a:schemeClr val="accent1"/>
+          </a:effectRef>
+          <a:fontRef idx="minor">
+            <a:schemeClr val="lt1"/>
+          </a:fontRef>
+        </p:style>
+        <p:txBody>
+          <a:bodyPr rtlCol="0" anchor="ctr"/>
+          <a:lstStyle/>
+          <a:p>
+            <a:pPr algn="ctr"/>
+            <a:r>
+              <a:rPr lang="en-GB" sz="2400" dirty="0"/>
+              <a:t>How has Netflix’s content strategy for TV shows evolved?</a:t>
+            </a:r>
+          </a:p>
+        </p:txBody>
+      </p:sp>
+      <p:sp>
+        <p:nvSpPr>
+          <p:cNvPr id="3" name="Rectangle 2">
+            <a:extLst>
+              <a:ext uri="{FF2B5EF4-FFF2-40B4-BE49-F238E27FC236}">
+                <a16:creationId xmlns:a16="http://schemas.microsoft.com/office/drawing/2014/main" id="{9E2F4833-DE83-E121-E469-B780B2663D55}"/>
+              </a:ext>
+            </a:extLst>
+          </p:cNvPr>
+          <p:cNvSpPr/>
+          <p:nvPr/>
+        </p:nvSpPr>
+        <p:spPr>
+          <a:xfrm>
+            <a:off x="166255" y="232756"/>
+            <a:ext cx="781396" cy="631767"/>
+          </a:xfrm>
+          <a:prstGeom prst="rect">
+            <a:avLst/>
+          </a:prstGeom>
+          <a:solidFill>
+            <a:srgbClr val="B1070D"/>
+          </a:solidFill>
+          <a:ln>
+            <a:noFill/>
+          </a:ln>
+        </p:spPr>
+        <p:style>
+          <a:lnRef idx="2">
+            <a:schemeClr val="accent1">
+              <a:shade val="15000"/>
+            </a:schemeClr>
+          </a:lnRef>
+          <a:fillRef idx="1">
+            <a:schemeClr val="accent1"/>
+          </a:fillRef>
+          <a:effectRef idx="0">
+            <a:schemeClr val="accent1"/>
+          </a:effectRef>
+          <a:fontRef idx="minor">
+            <a:schemeClr val="lt1"/>
+          </a:fontRef>
+        </p:style>
+        <p:txBody>
+          <a:bodyPr rtlCol="0" anchor="ctr"/>
+          <a:lstStyle/>
+          <a:p>
+            <a:pPr algn="ctr"/>
+            <a:r>
+              <a:rPr lang="en-GB" sz="4400" b="1" dirty="0"/>
+              <a:t>1</a:t>
+            </a:r>
+            <a:endParaRPr lang="en-GB" b="1" dirty="0"/>
+          </a:p>
+        </p:txBody>
+      </p:sp>
+      <p:sp>
+        <p:nvSpPr>
+          <p:cNvPr id="4" name="Rectangle 3">
+            <a:extLst>
+              <a:ext uri="{FF2B5EF4-FFF2-40B4-BE49-F238E27FC236}">
+                <a16:creationId xmlns:a16="http://schemas.microsoft.com/office/drawing/2014/main" id="{CC2F802F-2478-B307-F5CD-EC313E920FC8}"/>
+              </a:ext>
+            </a:extLst>
+          </p:cNvPr>
+          <p:cNvSpPr/>
+          <p:nvPr/>
+        </p:nvSpPr>
+        <p:spPr>
+          <a:xfrm>
+            <a:off x="0" y="0"/>
+            <a:ext cx="166255" cy="6858000"/>
+          </a:xfrm>
+          <a:prstGeom prst="rect">
+            <a:avLst/>
+          </a:prstGeom>
+          <a:solidFill>
+            <a:srgbClr val="101010"/>
+          </a:solidFill>
+          <a:ln>
+            <a:noFill/>
+          </a:ln>
+        </p:spPr>
+        <p:style>
+          <a:lnRef idx="2">
+            <a:schemeClr val="accent1">
+              <a:shade val="15000"/>
+            </a:schemeClr>
+          </a:lnRef>
+          <a:fillRef idx="1">
+            <a:schemeClr val="accent1"/>
+          </a:fillRef>
+          <a:effectRef idx="0">
+            <a:schemeClr val="accent1"/>
+          </a:effectRef>
+          <a:fontRef idx="minor">
+            <a:schemeClr val="lt1"/>
+          </a:fontRef>
+        </p:style>
+        <p:txBody>
+          <a:bodyPr vert="vert270" rtlCol="0" anchor="ctr"/>
+          <a:lstStyle/>
+          <a:p>
+            <a:pPr algn="ctr"/>
+            <a:endParaRPr lang="en-GB" sz="4800" dirty="0">
+              <a:solidFill>
+                <a:schemeClr val="bg2">
+                  <a:lumMod val="90000"/>
+                </a:schemeClr>
+              </a:solidFill>
+              <a:latin typeface="+mj-lt"/>
+            </a:endParaRPr>
+          </a:p>
+        </p:txBody>
+      </p:sp>
+    </p:spTree>
+    <p:extLst>
+      <p:ext uri="{BB962C8B-B14F-4D97-AF65-F5344CB8AC3E}">
+        <p14:creationId xmlns:p14="http://schemas.microsoft.com/office/powerpoint/2010/main" val="4159919780"/>
+      </p:ext>
+    </p:extLst>
+  </p:cSld>
+  <p:clrMapOvr>
+    <a:masterClrMapping/>
+  </p:clrMapOvr>
+  <p:timing>
+    <p:tnLst>
+      <p:par>
+        <p:cTn id="1" dur="indefinite" restart="never" nodeType="tmRoot">
+          <p:childTnLst>
+            <p:seq concurrent="1" nextAc="seek">
+              <p:cTn id="2" dur="indefinite" nodeType="mainSeq">
+                <p:childTnLst>
+                  <p:par>
+                    <p:cTn id="3" fill="hold">
+                      <p:stCondLst>
+                        <p:cond delay="indefinite"/>
+                      </p:stCondLst>
+                      <p:childTnLst>
+                        <p:par>
+                          <p:cTn id="4" fill="hold">
+                            <p:stCondLst>
+                              <p:cond delay="0"/>
+                            </p:stCondLst>
+                            <p:childTnLst>
+                              <p:par>
+                                <p:cTn id="5" presetID="2" presetClass="entr" presetSubtype="8" fill="hold" grpId="0" nodeType="clickEffect">
+                                  <p:stCondLst>
+                                    <p:cond delay="0"/>
+                                  </p:stCondLst>
+                                  <p:childTnLst>
+                                    <p:set>
+                                      <p:cBhvr>
+                                        <p:cTn id="6" dur="1" fill="hold">
+                                          <p:stCondLst>
+                                            <p:cond delay="0"/>
+                                          </p:stCondLst>
+                                        </p:cTn>
+                                        <p:tgtEl>
+                                          <p:spTgt spid="2"/>
+                                        </p:tgtEl>
+                                        <p:attrNameLst>
+                                          <p:attrName>style.visibility</p:attrName>
+                                        </p:attrNameLst>
+                                      </p:cBhvr>
+                                      <p:to>
+                                        <p:strVal val="visible"/>
+                                      </p:to>
+                                    </p:set>
+                                    <p:anim calcmode="lin" valueType="num">
+                                      <p:cBhvr additive="base">
+                                        <p:cTn id="7" dur="500" fill="hold"/>
+                                        <p:tgtEl>
+                                          <p:spTgt spid="2"/>
+                                        </p:tgtEl>
+                                        <p:attrNameLst>
+                                          <p:attrName>ppt_x</p:attrName>
+                                        </p:attrNameLst>
+                                      </p:cBhvr>
+                                      <p:tavLst>
+                                        <p:tav tm="0">
+                                          <p:val>
+                                            <p:strVal val="0-#ppt_w/2"/>
+                                          </p:val>
+                                        </p:tav>
+                                        <p:tav tm="100000">
+                                          <p:val>
+                                            <p:strVal val="#ppt_x"/>
+                                          </p:val>
+                                        </p:tav>
+                                      </p:tavLst>
+                                    </p:anim>
+                                    <p:anim calcmode="lin" valueType="num">
+                                      <p:cBhvr additive="base">
+                                        <p:cTn id="8" dur="500" fill="hold"/>
+                                        <p:tgtEl>
+                                          <p:spTgt spid="2"/>
+                                        </p:tgtEl>
+                                        <p:attrNameLst>
+                                          <p:attrName>ppt_y</p:attrName>
+                                        </p:attrNameLst>
+                                      </p:cBhvr>
+                                      <p:tavLst>
+                                        <p:tav tm="0">
+                                          <p:val>
+                                            <p:strVal val="#ppt_y"/>
+                                          </p:val>
+                                        </p:tav>
+                                        <p:tav tm="100000">
+                                          <p:val>
+                                            <p:strVal val="#ppt_y"/>
+                                          </p:val>
+                                        </p:tav>
+                                      </p:tavLst>
+                                    </p:anim>
+                                  </p:childTnLst>
+                                </p:cTn>
+                              </p:par>
+                            </p:childTnLst>
+                          </p:cTn>
+                        </p:par>
+                      </p:childTnLst>
+                    </p:cTn>
+                  </p:par>
+                </p:childTnLst>
+              </p:cTn>
+              <p:prevCondLst>
+                <p:cond evt="onPrev" delay="0">
+                  <p:tgtEl>
+                    <p:sldTgt/>
+                  </p:tgtEl>
+                </p:cond>
+              </p:prevCondLst>
+              <p:nextCondLst>
+                <p:cond evt="onNext" delay="0">
+                  <p:tgtEl>
+                    <p:sldTgt/>
+                  </p:tgtEl>
+                </p:cond>
+              </p:nextCondLst>
+            </p:seq>
+          </p:childTnLst>
+        </p:cTn>
+      </p:par>
+    </p:tnLst>
+    <p:bldLst>
+      <p:bldP spid="2" grpId="0" animBg="1"/>
+    </p:bldLst>
+  </p:timing>
+</p:sld>
+</file>
+
+<file path=ppt/slides/slide5.xml><?xml version="1.0" encoding="utf-8"?>
+<p:sld xmlns:a="http://schemas.openxmlformats.org/drawingml/2006/main" xmlns:r="http://schemas.openxmlformats.org/officeDocument/2006/relationships" xmlns:p="http://schemas.openxmlformats.org/presentationml/2006/main">
+  <p:cSld>
+    <p:spTree>
+      <p:nvGrpSpPr>
+        <p:cNvPr id="1" name=""/>
+        <p:cNvGrpSpPr/>
+        <p:nvPr/>
+      </p:nvGrpSpPr>
+      <p:grpSpPr>
+        <a:xfrm>
+          <a:off x="0" y="0"/>
+          <a:ext cx="0" cy="0"/>
+          <a:chOff x="0" y="0"/>
+          <a:chExt cx="0" cy="0"/>
+        </a:xfrm>
+      </p:grpSpPr>
+      <p:sp>
+        <p:nvSpPr>
+          <p:cNvPr id="2" name="Rectangle 1">
+            <a:extLst>
+              <a:ext uri="{FF2B5EF4-FFF2-40B4-BE49-F238E27FC236}">
+                <a16:creationId xmlns:a16="http://schemas.microsoft.com/office/drawing/2014/main" id="{E1BEB02F-5480-7E4C-4022-354C65363894}"/>
+              </a:ext>
+            </a:extLst>
+          </p:cNvPr>
+          <p:cNvSpPr/>
+          <p:nvPr/>
+        </p:nvSpPr>
+        <p:spPr>
+          <a:xfrm>
+            <a:off x="947651" y="232756"/>
+            <a:ext cx="11078094" cy="631767"/>
+          </a:xfrm>
+          <a:prstGeom prst="rect">
+            <a:avLst/>
+          </a:prstGeom>
+          <a:solidFill>
+            <a:srgbClr val="B1070D"/>
+          </a:solidFill>
+          <a:ln>
+            <a:noFill/>
+          </a:ln>
+        </p:spPr>
+        <p:style>
+          <a:lnRef idx="2">
+            <a:schemeClr val="accent1">
+              <a:shade val="15000"/>
+            </a:schemeClr>
+          </a:lnRef>
+          <a:fillRef idx="1">
+            <a:schemeClr val="accent1"/>
+          </a:fillRef>
+          <a:effectRef idx="0">
+            <a:schemeClr val="accent1"/>
+          </a:effectRef>
+          <a:fontRef idx="minor">
+            <a:schemeClr val="lt1"/>
+          </a:fontRef>
+        </p:style>
+        <p:txBody>
+          <a:bodyPr rtlCol="0" anchor="ctr"/>
+          <a:lstStyle/>
+          <a:p>
+            <a:pPr algn="ctr"/>
+            <a:r>
+              <a:rPr lang="en-GB" sz="2400" dirty="0"/>
+              <a:t>What are the factors that determine a show’s success/popularity?</a:t>
+            </a:r>
+          </a:p>
+        </p:txBody>
+      </p:sp>
+      <p:sp>
+        <p:nvSpPr>
+          <p:cNvPr id="3" name="Rectangle 2">
+            <a:extLst>
+              <a:ext uri="{FF2B5EF4-FFF2-40B4-BE49-F238E27FC236}">
+                <a16:creationId xmlns:a16="http://schemas.microsoft.com/office/drawing/2014/main" id="{9E2F4833-DE83-E121-E469-B780B2663D55}"/>
+              </a:ext>
+            </a:extLst>
+          </p:cNvPr>
+          <p:cNvSpPr/>
+          <p:nvPr/>
+        </p:nvSpPr>
+        <p:spPr>
+          <a:xfrm>
+            <a:off x="166255" y="232756"/>
+            <a:ext cx="781396" cy="631767"/>
+          </a:xfrm>
+          <a:prstGeom prst="rect">
+            <a:avLst/>
+          </a:prstGeom>
+          <a:solidFill>
+            <a:srgbClr val="B1070D"/>
+          </a:solidFill>
+          <a:ln>
+            <a:noFill/>
+          </a:ln>
+        </p:spPr>
+        <p:style>
+          <a:lnRef idx="2">
+            <a:schemeClr val="accent1">
+              <a:shade val="15000"/>
+            </a:schemeClr>
+          </a:lnRef>
+          <a:fillRef idx="1">
+            <a:schemeClr val="accent1"/>
+          </a:fillRef>
+          <a:effectRef idx="0">
+            <a:schemeClr val="accent1"/>
+          </a:effectRef>
+          <a:fontRef idx="minor">
+            <a:schemeClr val="lt1"/>
+          </a:fontRef>
+        </p:style>
+        <p:txBody>
+          <a:bodyPr rtlCol="0" anchor="ctr"/>
+          <a:lstStyle/>
+          <a:p>
+            <a:pPr algn="ctr"/>
+            <a:r>
+              <a:rPr lang="en-GB" sz="4400" b="1" dirty="0"/>
+              <a:t>2</a:t>
+            </a:r>
+            <a:endParaRPr lang="en-GB" b="1" dirty="0"/>
+          </a:p>
+        </p:txBody>
+      </p:sp>
+      <p:sp>
+        <p:nvSpPr>
+          <p:cNvPr id="4" name="Rectangle 3">
+            <a:extLst>
+              <a:ext uri="{FF2B5EF4-FFF2-40B4-BE49-F238E27FC236}">
+                <a16:creationId xmlns:a16="http://schemas.microsoft.com/office/drawing/2014/main" id="{CC2F802F-2478-B307-F5CD-EC313E920FC8}"/>
+              </a:ext>
+            </a:extLst>
+          </p:cNvPr>
+          <p:cNvSpPr/>
+          <p:nvPr/>
+        </p:nvSpPr>
+        <p:spPr>
+          <a:xfrm>
+            <a:off x="0" y="0"/>
+            <a:ext cx="166255" cy="6858000"/>
+          </a:xfrm>
+          <a:prstGeom prst="rect">
+            <a:avLst/>
+          </a:prstGeom>
+          <a:solidFill>
+            <a:srgbClr val="101010"/>
+          </a:solidFill>
+          <a:ln>
+            <a:noFill/>
+          </a:ln>
+        </p:spPr>
+        <p:style>
+          <a:lnRef idx="2">
+            <a:schemeClr val="accent1">
+              <a:shade val="15000"/>
+            </a:schemeClr>
+          </a:lnRef>
+          <a:fillRef idx="1">
+            <a:schemeClr val="accent1"/>
+          </a:fillRef>
+          <a:effectRef idx="0">
+            <a:schemeClr val="accent1"/>
+          </a:effectRef>
+          <a:fontRef idx="minor">
+            <a:schemeClr val="lt1"/>
+          </a:fontRef>
+        </p:style>
+        <p:txBody>
+          <a:bodyPr vert="vert270" rtlCol="0" anchor="ctr"/>
+          <a:lstStyle/>
+          <a:p>
+            <a:pPr algn="ctr"/>
+            <a:endParaRPr lang="en-GB" sz="4800" dirty="0">
+              <a:solidFill>
+                <a:schemeClr val="bg2">
+                  <a:lumMod val="90000"/>
+                </a:schemeClr>
+              </a:solidFill>
+              <a:latin typeface="+mj-lt"/>
+            </a:endParaRPr>
+          </a:p>
+        </p:txBody>
+      </p:sp>
+    </p:spTree>
+    <p:extLst>
+      <p:ext uri="{BB962C8B-B14F-4D97-AF65-F5344CB8AC3E}">
+        <p14:creationId xmlns:p14="http://schemas.microsoft.com/office/powerpoint/2010/main" val="1488676528"/>
+      </p:ext>
+    </p:extLst>
+  </p:cSld>
+  <p:clrMapOvr>
+    <a:masterClrMapping/>
+  </p:clrMapOvr>
+  <p:timing>
+    <p:tnLst>
+      <p:par>
+        <p:cTn id="1" dur="indefinite" restart="never" nodeType="tmRoot">
+          <p:childTnLst>
+            <p:seq concurrent="1" nextAc="seek">
+              <p:cTn id="2" dur="indefinite" nodeType="mainSeq">
+                <p:childTnLst>
+                  <p:par>
+                    <p:cTn id="3" fill="hold">
+                      <p:stCondLst>
+                        <p:cond delay="indefinite"/>
+                      </p:stCondLst>
+                      <p:childTnLst>
+                        <p:par>
+                          <p:cTn id="4" fill="hold">
+                            <p:stCondLst>
+                              <p:cond delay="0"/>
+                            </p:stCondLst>
+                            <p:childTnLst>
+                              <p:par>
+                                <p:cTn id="5" presetID="2" presetClass="entr" presetSubtype="8" fill="hold" grpId="0" nodeType="clickEffect">
+                                  <p:stCondLst>
+                                    <p:cond delay="0"/>
+                                  </p:stCondLst>
+                                  <p:childTnLst>
+                                    <p:set>
+                                      <p:cBhvr>
+                                        <p:cTn id="6" dur="1" fill="hold">
+                                          <p:stCondLst>
+                                            <p:cond delay="0"/>
+                                          </p:stCondLst>
+                                        </p:cTn>
+                                        <p:tgtEl>
+                                          <p:spTgt spid="2"/>
+                                        </p:tgtEl>
+                                        <p:attrNameLst>
+                                          <p:attrName>style.visibility</p:attrName>
+                                        </p:attrNameLst>
+                                      </p:cBhvr>
+                                      <p:to>
+                                        <p:strVal val="visible"/>
+                                      </p:to>
+                                    </p:set>
+                                    <p:anim calcmode="lin" valueType="num">
+                                      <p:cBhvr additive="base">
+                                        <p:cTn id="7" dur="500" fill="hold"/>
+                                        <p:tgtEl>
+                                          <p:spTgt spid="2"/>
+                                        </p:tgtEl>
+                                        <p:attrNameLst>
+                                          <p:attrName>ppt_x</p:attrName>
+                                        </p:attrNameLst>
+                                      </p:cBhvr>
+                                      <p:tavLst>
+                                        <p:tav tm="0">
+                                          <p:val>
+                                            <p:strVal val="0-#ppt_w/2"/>
+                                          </p:val>
+                                        </p:tav>
+                                        <p:tav tm="100000">
+                                          <p:val>
+                                            <p:strVal val="#ppt_x"/>
+                                          </p:val>
+                                        </p:tav>
+                                      </p:tavLst>
+                                    </p:anim>
+                                    <p:anim calcmode="lin" valueType="num">
+                                      <p:cBhvr additive="base">
+                                        <p:cTn id="8" dur="500" fill="hold"/>
+                                        <p:tgtEl>
+                                          <p:spTgt spid="2"/>
+                                        </p:tgtEl>
+                                        <p:attrNameLst>
+                                          <p:attrName>ppt_y</p:attrName>
+                                        </p:attrNameLst>
+                                      </p:cBhvr>
+                                      <p:tavLst>
+                                        <p:tav tm="0">
+                                          <p:val>
+                                            <p:strVal val="#ppt_y"/>
+                                          </p:val>
+                                        </p:tav>
+                                        <p:tav tm="100000">
+                                          <p:val>
+                                            <p:strVal val="#ppt_y"/>
+                                          </p:val>
+                                        </p:tav>
+                                      </p:tavLst>
+                                    </p:anim>
+                                  </p:childTnLst>
+                                </p:cTn>
+                              </p:par>
+                            </p:childTnLst>
+                          </p:cTn>
+                        </p:par>
+                      </p:childTnLst>
+                    </p:cTn>
+                  </p:par>
+                </p:childTnLst>
+              </p:cTn>
+              <p:prevCondLst>
+                <p:cond evt="onPrev" delay="0">
+                  <p:tgtEl>
+                    <p:sldTgt/>
+                  </p:tgtEl>
+                </p:cond>
+              </p:prevCondLst>
+              <p:nextCondLst>
+                <p:cond evt="onNext" delay="0">
+                  <p:tgtEl>
+                    <p:sldTgt/>
+                  </p:tgtEl>
+                </p:cond>
+              </p:nextCondLst>
+            </p:seq>
+          </p:childTnLst>
+        </p:cTn>
+      </p:par>
+    </p:tnLst>
+    <p:bldLst>
+      <p:bldP spid="2" grpId="0" animBg="1"/>
+    </p:bldLst>
+  </p:timing>
+</p:sld>
+</file>
+
+<file path=ppt/slides/slide6.xml><?xml version="1.0" encoding="utf-8"?>
+<p:sld xmlns:a="http://schemas.openxmlformats.org/drawingml/2006/main" xmlns:r="http://schemas.openxmlformats.org/officeDocument/2006/relationships" xmlns:p="http://schemas.openxmlformats.org/presentationml/2006/main">
+  <p:cSld>
+    <p:spTree>
+      <p:nvGrpSpPr>
+        <p:cNvPr id="1" name=""/>
+        <p:cNvGrpSpPr/>
+        <p:nvPr/>
+      </p:nvGrpSpPr>
+      <p:grpSpPr>
+        <a:xfrm>
+          <a:off x="0" y="0"/>
+          <a:ext cx="0" cy="0"/>
+          <a:chOff x="0" y="0"/>
+          <a:chExt cx="0" cy="0"/>
+        </a:xfrm>
+      </p:grpSpPr>
+      <p:sp>
+        <p:nvSpPr>
+          <p:cNvPr id="2" name="Rectangle 1">
+            <a:extLst>
+              <a:ext uri="{FF2B5EF4-FFF2-40B4-BE49-F238E27FC236}">
+                <a16:creationId xmlns:a16="http://schemas.microsoft.com/office/drawing/2014/main" id="{E1BEB02F-5480-7E4C-4022-354C65363894}"/>
+              </a:ext>
+            </a:extLst>
+          </p:cNvPr>
+          <p:cNvSpPr/>
+          <p:nvPr/>
+        </p:nvSpPr>
+        <p:spPr>
+          <a:xfrm>
+            <a:off x="947651" y="232756"/>
+            <a:ext cx="11078094" cy="631767"/>
+          </a:xfrm>
+          <a:prstGeom prst="rect">
+            <a:avLst/>
+          </a:prstGeom>
+          <a:solidFill>
+            <a:srgbClr val="B1070D"/>
+          </a:solidFill>
+          <a:ln>
+            <a:noFill/>
+          </a:ln>
+        </p:spPr>
+        <p:style>
+          <a:lnRef idx="2">
+            <a:schemeClr val="accent1">
+              <a:shade val="15000"/>
+            </a:schemeClr>
+          </a:lnRef>
+          <a:fillRef idx="1">
+            <a:schemeClr val="accent1"/>
+          </a:fillRef>
+          <a:effectRef idx="0">
+            <a:schemeClr val="accent1"/>
+          </a:effectRef>
+          <a:fontRef idx="minor">
+            <a:schemeClr val="lt1"/>
+          </a:fontRef>
+        </p:style>
+        <p:txBody>
+          <a:bodyPr rtlCol="0" anchor="ctr"/>
+          <a:lstStyle/>
+          <a:p>
+            <a:pPr algn="ctr"/>
+            <a:r>
+              <a:rPr lang="en-GB" sz="2400" dirty="0"/>
+              <a:t>Has there been a shift in target audience demographics?</a:t>
+            </a:r>
+          </a:p>
+        </p:txBody>
+      </p:sp>
+      <p:sp>
+        <p:nvSpPr>
+          <p:cNvPr id="3" name="Rectangle 2">
+            <a:extLst>
+              <a:ext uri="{FF2B5EF4-FFF2-40B4-BE49-F238E27FC236}">
+                <a16:creationId xmlns:a16="http://schemas.microsoft.com/office/drawing/2014/main" id="{9E2F4833-DE83-E121-E469-B780B2663D55}"/>
+              </a:ext>
+            </a:extLst>
+          </p:cNvPr>
+          <p:cNvSpPr/>
+          <p:nvPr/>
+        </p:nvSpPr>
+        <p:spPr>
+          <a:xfrm>
+            <a:off x="166255" y="232756"/>
+            <a:ext cx="781396" cy="631767"/>
+          </a:xfrm>
+          <a:prstGeom prst="rect">
+            <a:avLst/>
+          </a:prstGeom>
+          <a:solidFill>
+            <a:srgbClr val="B1070D"/>
+          </a:solidFill>
+          <a:ln>
+            <a:noFill/>
+          </a:ln>
+        </p:spPr>
+        <p:style>
+          <a:lnRef idx="2">
+            <a:schemeClr val="accent1">
+              <a:shade val="15000"/>
+            </a:schemeClr>
+          </a:lnRef>
+          <a:fillRef idx="1">
+            <a:schemeClr val="accent1"/>
+          </a:fillRef>
+          <a:effectRef idx="0">
+            <a:schemeClr val="accent1"/>
+          </a:effectRef>
+          <a:fontRef idx="minor">
+            <a:schemeClr val="lt1"/>
+          </a:fontRef>
+        </p:style>
+        <p:txBody>
+          <a:bodyPr rtlCol="0" anchor="ctr"/>
+          <a:lstStyle/>
+          <a:p>
+            <a:pPr algn="ctr"/>
+            <a:r>
+              <a:rPr lang="en-GB" sz="4400" b="1" dirty="0"/>
+              <a:t>3</a:t>
+            </a:r>
+            <a:endParaRPr lang="en-GB" b="1" dirty="0"/>
+          </a:p>
+        </p:txBody>
+      </p:sp>
+      <p:sp>
+        <p:nvSpPr>
+          <p:cNvPr id="4" name="Rectangle 3">
+            <a:extLst>
+              <a:ext uri="{FF2B5EF4-FFF2-40B4-BE49-F238E27FC236}">
+                <a16:creationId xmlns:a16="http://schemas.microsoft.com/office/drawing/2014/main" id="{CC2F802F-2478-B307-F5CD-EC313E920FC8}"/>
+              </a:ext>
+            </a:extLst>
+          </p:cNvPr>
+          <p:cNvSpPr/>
+          <p:nvPr/>
+        </p:nvSpPr>
+        <p:spPr>
+          <a:xfrm>
+            <a:off x="0" y="0"/>
+            <a:ext cx="166255" cy="6858000"/>
+          </a:xfrm>
+          <a:prstGeom prst="rect">
+            <a:avLst/>
+          </a:prstGeom>
+          <a:solidFill>
+            <a:srgbClr val="101010"/>
+          </a:solidFill>
+          <a:ln>
+            <a:noFill/>
+          </a:ln>
+        </p:spPr>
+        <p:style>
+          <a:lnRef idx="2">
+            <a:schemeClr val="accent1">
+              <a:shade val="15000"/>
+            </a:schemeClr>
+          </a:lnRef>
+          <a:fillRef idx="1">
+            <a:schemeClr val="accent1"/>
+          </a:fillRef>
+          <a:effectRef idx="0">
+            <a:schemeClr val="accent1"/>
+          </a:effectRef>
+          <a:fontRef idx="minor">
+            <a:schemeClr val="lt1"/>
+          </a:fontRef>
+        </p:style>
+        <p:txBody>
+          <a:bodyPr vert="vert270" rtlCol="0" anchor="ctr"/>
+          <a:lstStyle/>
+          <a:p>
+            <a:pPr algn="ctr"/>
+            <a:endParaRPr lang="en-GB" sz="4800" dirty="0">
+              <a:solidFill>
+                <a:schemeClr val="bg2">
+                  <a:lumMod val="90000"/>
+                </a:schemeClr>
+              </a:solidFill>
+              <a:latin typeface="+mj-lt"/>
+            </a:endParaRPr>
+          </a:p>
+        </p:txBody>
+      </p:sp>
+    </p:spTree>
+    <p:extLst>
+      <p:ext uri="{BB962C8B-B14F-4D97-AF65-F5344CB8AC3E}">
+        <p14:creationId xmlns:p14="http://schemas.microsoft.com/office/powerpoint/2010/main" val="2039992845"/>
+      </p:ext>
+    </p:extLst>
+  </p:cSld>
+  <p:clrMapOvr>
+    <a:masterClrMapping/>
+  </p:clrMapOvr>
+  <p:timing>
+    <p:tnLst>
+      <p:par>
+        <p:cTn id="1" dur="indefinite" restart="never" nodeType="tmRoot">
+          <p:childTnLst>
+            <p:seq concurrent="1" nextAc="seek">
+              <p:cTn id="2" dur="indefinite" nodeType="mainSeq">
+                <p:childTnLst>
+                  <p:par>
+                    <p:cTn id="3" fill="hold">
+                      <p:stCondLst>
+                        <p:cond delay="indefinite"/>
+                      </p:stCondLst>
+                      <p:childTnLst>
+                        <p:par>
+                          <p:cTn id="4" fill="hold">
+                            <p:stCondLst>
+                              <p:cond delay="0"/>
+                            </p:stCondLst>
+                            <p:childTnLst>
+                              <p:par>
+                                <p:cTn id="5" presetID="2" presetClass="entr" presetSubtype="8" fill="hold" grpId="0" nodeType="clickEffect">
+                                  <p:stCondLst>
+                                    <p:cond delay="0"/>
+                                  </p:stCondLst>
+                                  <p:childTnLst>
+                                    <p:set>
+                                      <p:cBhvr>
+                                        <p:cTn id="6" dur="1" fill="hold">
+                                          <p:stCondLst>
+                                            <p:cond delay="0"/>
+                                          </p:stCondLst>
+                                        </p:cTn>
+                                        <p:tgtEl>
+                                          <p:spTgt spid="2"/>
+                                        </p:tgtEl>
+                                        <p:attrNameLst>
+                                          <p:attrName>style.visibility</p:attrName>
+                                        </p:attrNameLst>
+                                      </p:cBhvr>
+                                      <p:to>
+                                        <p:strVal val="visible"/>
+                                      </p:to>
+                                    </p:set>
+                                    <p:anim calcmode="lin" valueType="num">
+                                      <p:cBhvr additive="base">
+                                        <p:cTn id="7" dur="500" fill="hold"/>
+                                        <p:tgtEl>
+                                          <p:spTgt spid="2"/>
+                                        </p:tgtEl>
+                                        <p:attrNameLst>
+                                          <p:attrName>ppt_x</p:attrName>
+                                        </p:attrNameLst>
+                                      </p:cBhvr>
+                                      <p:tavLst>
+                                        <p:tav tm="0">
+                                          <p:val>
+                                            <p:strVal val="0-#ppt_w/2"/>
+                                          </p:val>
+                                        </p:tav>
+                                        <p:tav tm="100000">
+                                          <p:val>
+                                            <p:strVal val="#ppt_x"/>
+                                          </p:val>
+                                        </p:tav>
+                                      </p:tavLst>
+                                    </p:anim>
+                                    <p:anim calcmode="lin" valueType="num">
+                                      <p:cBhvr additive="base">
+                                        <p:cTn id="8" dur="500" fill="hold"/>
+                                        <p:tgtEl>
+                                          <p:spTgt spid="2"/>
+                                        </p:tgtEl>
+                                        <p:attrNameLst>
+                                          <p:attrName>ppt_y</p:attrName>
+                                        </p:attrNameLst>
+                                      </p:cBhvr>
+                                      <p:tavLst>
+                                        <p:tav tm="0">
+                                          <p:val>
+                                            <p:strVal val="#ppt_y"/>
+                                          </p:val>
+                                        </p:tav>
+                                        <p:tav tm="100000">
+                                          <p:val>
+                                            <p:strVal val="#ppt_y"/>
+                                          </p:val>
+                                        </p:tav>
+                                      </p:tavLst>
+                                    </p:anim>
+                                  </p:childTnLst>
+                                </p:cTn>
+                              </p:par>
+                            </p:childTnLst>
+                          </p:cTn>
+                        </p:par>
+                      </p:childTnLst>
+                    </p:cTn>
+                  </p:par>
+                </p:childTnLst>
+              </p:cTn>
+              <p:prevCondLst>
+                <p:cond evt="onPrev" delay="0">
+                  <p:tgtEl>
+                    <p:sldTgt/>
+                  </p:tgtEl>
+                </p:cond>
+              </p:prevCondLst>
+              <p:nextCondLst>
+                <p:cond evt="onNext" delay="0">
+                  <p:tgtEl>
+                    <p:sldTgt/>
+                  </p:tgtEl>
+                </p:cond>
+              </p:nextCondLst>
+            </p:seq>
+          </p:childTnLst>
+        </p:cTn>
+      </p:par>
+    </p:tnLst>
+    <p:bldLst>
+      <p:bldP spid="2" grpId="0" animBg="1"/>
+    </p:bldLst>
+  </p:timing>
+</p:sld>
+</file>
+
+<file path=ppt/slides/slide7.xml><?xml version="1.0" encoding="utf-8"?>
+<p:sld xmlns:a="http://schemas.openxmlformats.org/drawingml/2006/main" xmlns:r="http://schemas.openxmlformats.org/officeDocument/2006/relationships" xmlns:p="http://schemas.openxmlformats.org/presentationml/2006/main">
+  <p:cSld>
+    <p:spTree>
+      <p:nvGrpSpPr>
+        <p:cNvPr id="1" name=""/>
+        <p:cNvGrpSpPr/>
+        <p:nvPr/>
+      </p:nvGrpSpPr>
+      <p:grpSpPr>
+        <a:xfrm>
+          <a:off x="0" y="0"/>
+          <a:ext cx="0" cy="0"/>
+          <a:chOff x="0" y="0"/>
+          <a:chExt cx="0" cy="0"/>
+        </a:xfrm>
+      </p:grpSpPr>
+      <p:sp>
+        <p:nvSpPr>
+          <p:cNvPr id="2" name="Rectangle 1">
+            <a:extLst>
+              <a:ext uri="{FF2B5EF4-FFF2-40B4-BE49-F238E27FC236}">
+                <a16:creationId xmlns:a16="http://schemas.microsoft.com/office/drawing/2014/main" id="{E1BEB02F-5480-7E4C-4022-354C65363894}"/>
+              </a:ext>
+            </a:extLst>
+          </p:cNvPr>
+          <p:cNvSpPr/>
+          <p:nvPr/>
+        </p:nvSpPr>
+        <p:spPr>
+          <a:xfrm>
+            <a:off x="947651" y="232756"/>
+            <a:ext cx="11078094" cy="631767"/>
+          </a:xfrm>
+          <a:prstGeom prst="rect">
+            <a:avLst/>
+          </a:prstGeom>
+          <a:solidFill>
+            <a:srgbClr val="B1070D"/>
+          </a:solidFill>
+          <a:ln>
+            <a:noFill/>
+          </a:ln>
+        </p:spPr>
+        <p:style>
+          <a:lnRef idx="2">
+            <a:schemeClr val="accent1">
+              <a:shade val="15000"/>
+            </a:schemeClr>
+          </a:lnRef>
+          <a:fillRef idx="1">
+            <a:schemeClr val="accent1"/>
+          </a:fillRef>
+          <a:effectRef idx="0">
+            <a:schemeClr val="accent1"/>
+          </a:effectRef>
+          <a:fontRef idx="minor">
+            <a:schemeClr val="lt1"/>
+          </a:fontRef>
+        </p:style>
+        <p:txBody>
+          <a:bodyPr rtlCol="0" anchor="ctr"/>
+          <a:lstStyle/>
+          <a:p>
+            <a:pPr algn="ctr"/>
+            <a:r>
+              <a:rPr lang="en-GB" sz="2400" dirty="0"/>
+              <a:t>Did the pandemic change tastes in favour of reality TV?</a:t>
+            </a:r>
+          </a:p>
+        </p:txBody>
+      </p:sp>
+      <p:sp>
+        <p:nvSpPr>
+          <p:cNvPr id="3" name="Rectangle 2">
+            <a:extLst>
+              <a:ext uri="{FF2B5EF4-FFF2-40B4-BE49-F238E27FC236}">
+                <a16:creationId xmlns:a16="http://schemas.microsoft.com/office/drawing/2014/main" id="{9E2F4833-DE83-E121-E469-B780B2663D55}"/>
+              </a:ext>
+            </a:extLst>
+          </p:cNvPr>
+          <p:cNvSpPr/>
+          <p:nvPr/>
+        </p:nvSpPr>
+        <p:spPr>
+          <a:xfrm>
+            <a:off x="166255" y="232756"/>
+            <a:ext cx="781396" cy="631767"/>
+          </a:xfrm>
+          <a:prstGeom prst="rect">
+            <a:avLst/>
+          </a:prstGeom>
+          <a:solidFill>
+            <a:srgbClr val="B1070D"/>
+          </a:solidFill>
+          <a:ln>
+            <a:noFill/>
+          </a:ln>
+        </p:spPr>
+        <p:style>
+          <a:lnRef idx="2">
+            <a:schemeClr val="accent1">
+              <a:shade val="15000"/>
+            </a:schemeClr>
+          </a:lnRef>
+          <a:fillRef idx="1">
+            <a:schemeClr val="accent1"/>
+          </a:fillRef>
+          <a:effectRef idx="0">
+            <a:schemeClr val="accent1"/>
+          </a:effectRef>
+          <a:fontRef idx="minor">
+            <a:schemeClr val="lt1"/>
+          </a:fontRef>
+        </p:style>
+        <p:txBody>
+          <a:bodyPr rtlCol="0" anchor="ctr"/>
+          <a:lstStyle/>
+          <a:p>
+            <a:pPr algn="ctr"/>
+            <a:r>
+              <a:rPr lang="en-GB" sz="4400" b="1" dirty="0"/>
+              <a:t>4</a:t>
+            </a:r>
+            <a:endParaRPr lang="en-GB" b="1" dirty="0"/>
+          </a:p>
+        </p:txBody>
+      </p:sp>
+      <p:sp>
+        <p:nvSpPr>
+          <p:cNvPr id="4" name="Rectangle 3">
+            <a:extLst>
+              <a:ext uri="{FF2B5EF4-FFF2-40B4-BE49-F238E27FC236}">
+                <a16:creationId xmlns:a16="http://schemas.microsoft.com/office/drawing/2014/main" id="{CC2F802F-2478-B307-F5CD-EC313E920FC8}"/>
+              </a:ext>
+            </a:extLst>
+          </p:cNvPr>
+          <p:cNvSpPr/>
+          <p:nvPr/>
+        </p:nvSpPr>
+        <p:spPr>
+          <a:xfrm>
+            <a:off x="0" y="0"/>
+            <a:ext cx="166255" cy="6858000"/>
+          </a:xfrm>
+          <a:prstGeom prst="rect">
+            <a:avLst/>
+          </a:prstGeom>
+          <a:solidFill>
+            <a:srgbClr val="101010"/>
+          </a:solidFill>
+          <a:ln>
+            <a:noFill/>
+          </a:ln>
+        </p:spPr>
+        <p:style>
+          <a:lnRef idx="2">
+            <a:schemeClr val="accent1">
+              <a:shade val="15000"/>
+            </a:schemeClr>
+          </a:lnRef>
+          <a:fillRef idx="1">
+            <a:schemeClr val="accent1"/>
+          </a:fillRef>
+          <a:effectRef idx="0">
+            <a:schemeClr val="accent1"/>
+          </a:effectRef>
+          <a:fontRef idx="minor">
+            <a:schemeClr val="lt1"/>
+          </a:fontRef>
+        </p:style>
+        <p:txBody>
+          <a:bodyPr vert="vert270" rtlCol="0" anchor="ctr"/>
+          <a:lstStyle/>
+          <a:p>
+            <a:pPr algn="ctr"/>
+            <a:endParaRPr lang="en-GB" sz="4800" dirty="0">
+              <a:solidFill>
+                <a:schemeClr val="bg2">
+                  <a:lumMod val="90000"/>
+                </a:schemeClr>
+              </a:solidFill>
+              <a:latin typeface="+mj-lt"/>
+            </a:endParaRPr>
+          </a:p>
+        </p:txBody>
+      </p:sp>
+    </p:spTree>
+    <p:extLst>
+      <p:ext uri="{BB962C8B-B14F-4D97-AF65-F5344CB8AC3E}">
+        <p14:creationId xmlns:p14="http://schemas.microsoft.com/office/powerpoint/2010/main" val="4236913994"/>
+      </p:ext>
+    </p:extLst>
+  </p:cSld>
+  <p:clrMapOvr>
+    <a:masterClrMapping/>
+  </p:clrMapOvr>
+  <p:timing>
+    <p:tnLst>
+      <p:par>
+        <p:cTn id="1" dur="indefinite" restart="never" nodeType="tmRoot">
+          <p:childTnLst>
+            <p:seq concurrent="1" nextAc="seek">
+              <p:cTn id="2" dur="indefinite" nodeType="mainSeq">
+                <p:childTnLst>
+                  <p:par>
+                    <p:cTn id="3" fill="hold">
+                      <p:stCondLst>
+                        <p:cond delay="indefinite"/>
+                      </p:stCondLst>
+                      <p:childTnLst>
+                        <p:par>
+                          <p:cTn id="4" fill="hold">
+                            <p:stCondLst>
+                              <p:cond delay="0"/>
+                            </p:stCondLst>
+                            <p:childTnLst>
+                              <p:par>
+                                <p:cTn id="5" presetID="2" presetClass="entr" presetSubtype="8" fill="hold" grpId="0" nodeType="clickEffect">
+                                  <p:stCondLst>
+                                    <p:cond delay="0"/>
+                                  </p:stCondLst>
+                                  <p:childTnLst>
+                                    <p:set>
+                                      <p:cBhvr>
+                                        <p:cTn id="6" dur="1" fill="hold">
+                                          <p:stCondLst>
+                                            <p:cond delay="0"/>
+                                          </p:stCondLst>
+                                        </p:cTn>
+                                        <p:tgtEl>
+                                          <p:spTgt spid="2"/>
+                                        </p:tgtEl>
+                                        <p:attrNameLst>
+                                          <p:attrName>style.visibility</p:attrName>
+                                        </p:attrNameLst>
+                                      </p:cBhvr>
+                                      <p:to>
+                                        <p:strVal val="visible"/>
+                                      </p:to>
+                                    </p:set>
+                                    <p:anim calcmode="lin" valueType="num">
+                                      <p:cBhvr additive="base">
+                                        <p:cTn id="7" dur="500" fill="hold"/>
+                                        <p:tgtEl>
+                                          <p:spTgt spid="2"/>
+                                        </p:tgtEl>
+                                        <p:attrNameLst>
+                                          <p:attrName>ppt_x</p:attrName>
+                                        </p:attrNameLst>
+                                      </p:cBhvr>
+                                      <p:tavLst>
+                                        <p:tav tm="0">
+                                          <p:val>
+                                            <p:strVal val="0-#ppt_w/2"/>
+                                          </p:val>
+                                        </p:tav>
+                                        <p:tav tm="100000">
+                                          <p:val>
+                                            <p:strVal val="#ppt_x"/>
+                                          </p:val>
+                                        </p:tav>
+                                      </p:tavLst>
+                                    </p:anim>
+                                    <p:anim calcmode="lin" valueType="num">
+                                      <p:cBhvr additive="base">
+                                        <p:cTn id="8" dur="500" fill="hold"/>
+                                        <p:tgtEl>
+                                          <p:spTgt spid="2"/>
+                                        </p:tgtEl>
+                                        <p:attrNameLst>
+                                          <p:attrName>ppt_y</p:attrName>
+                                        </p:attrNameLst>
+                                      </p:cBhvr>
+                                      <p:tavLst>
+                                        <p:tav tm="0">
+                                          <p:val>
+                                            <p:strVal val="#ppt_y"/>
+                                          </p:val>
+                                        </p:tav>
+                                        <p:tav tm="100000">
+                                          <p:val>
+                                            <p:strVal val="#ppt_y"/>
+                                          </p:val>
+                                        </p:tav>
+                                      </p:tavLst>
+                                    </p:anim>
+                                  </p:childTnLst>
+                                </p:cTn>
+                              </p:par>
+                            </p:childTnLst>
+                          </p:cTn>
+                        </p:par>
+                      </p:childTnLst>
+                    </p:cTn>
+                  </p:par>
+                </p:childTnLst>
+              </p:cTn>
+              <p:prevCondLst>
+                <p:cond evt="onPrev" delay="0">
+                  <p:tgtEl>
+                    <p:sldTgt/>
+                  </p:tgtEl>
+                </p:cond>
+              </p:prevCondLst>
+              <p:nextCondLst>
+                <p:cond evt="onNext" delay="0">
+                  <p:tgtEl>
+                    <p:sldTgt/>
+                  </p:tgtEl>
+                </p:cond>
+              </p:nextCondLst>
+            </p:seq>
+          </p:childTnLst>
+        </p:cTn>
+      </p:par>
+    </p:tnLst>
+    <p:bldLst>
+      <p:bldP spid="2" grpId="0" animBg="1"/>
+    </p:bldLst>
+  </p:timing>
+</p:sld>
+</file>
+
+<file path=ppt/slides/slide8.xml><?xml version="1.0" encoding="utf-8"?>
+<p:sld xmlns:a="http://schemas.openxmlformats.org/drawingml/2006/main" xmlns:r="http://schemas.openxmlformats.org/officeDocument/2006/relationships" xmlns:p="http://schemas.openxmlformats.org/presentationml/2006/main">
+  <p:cSld>
+    <p:spTree>
+      <p:nvGrpSpPr>
+        <p:cNvPr id="1" name=""/>
+        <p:cNvGrpSpPr/>
+        <p:nvPr/>
+      </p:nvGrpSpPr>
+      <p:grpSpPr>
+        <a:xfrm>
+          <a:off x="0" y="0"/>
+          <a:ext cx="0" cy="0"/>
+          <a:chOff x="0" y="0"/>
+          <a:chExt cx="0" cy="0"/>
+        </a:xfrm>
+      </p:grpSpPr>
+      <p:pic>
+        <p:nvPicPr>
+          <p:cNvPr id="3" name="Picture 2" descr="A qr code with red and black squares&#10;&#10;Description automatically generated">
+            <a:extLst>
+              <a:ext uri="{FF2B5EF4-FFF2-40B4-BE49-F238E27FC236}">
+                <a16:creationId xmlns:a16="http://schemas.microsoft.com/office/drawing/2014/main" id="{C9D46A74-B06B-75E9-CF4C-2C538F9E90FC}"/>
               </a:ext>
             </a:extLst>
           </p:cNvPr>
@@ -3346,59 +6379,18 @@
         </p:blipFill>
         <p:spPr>
           <a:xfrm>
-            <a:off x="8782049" y="4895850"/>
-            <a:ext cx="1943100" cy="1085850"/>
+            <a:off x="2997589" y="330589"/>
+            <a:ext cx="6196822" cy="6196822"/>
           </a:xfrm>
           <a:prstGeom prst="rect">
             <a:avLst/>
           </a:prstGeom>
         </p:spPr>
       </p:pic>
-      <p:sp>
-        <p:nvSpPr>
-          <p:cNvPr id="5" name="TextBox 4">
-            <a:extLst>
-              <a:ext uri="{FF2B5EF4-FFF2-40B4-BE49-F238E27FC236}">
-                <a16:creationId xmlns:a16="http://schemas.microsoft.com/office/drawing/2014/main" id="{F59600B7-E76F-427F-63FB-8D1CF3182280}"/>
-              </a:ext>
-            </a:extLst>
-          </p:cNvPr>
-          <p:cNvSpPr txBox="1"/>
-          <p:nvPr/>
-        </p:nvSpPr>
-        <p:spPr>
-          <a:xfrm>
-            <a:off x="3876675" y="704850"/>
-            <a:ext cx="4438649" cy="769441"/>
-          </a:xfrm>
-          <a:prstGeom prst="rect">
-            <a:avLst/>
-          </a:prstGeom>
-          <a:noFill/>
-        </p:spPr>
-        <p:txBody>
-          <a:bodyPr wrap="square" rtlCol="0">
-            <a:spAutoFit/>
-          </a:bodyPr>
-          <a:lstStyle/>
-          <a:p>
-            <a:r>
-              <a:rPr lang="en-GB" sz="4400" dirty="0">
-                <a:solidFill>
-                  <a:schemeClr val="bg2">
-                    <a:lumMod val="90000"/>
-                  </a:schemeClr>
-                </a:solidFill>
-              </a:rPr>
-              <a:t>Who’s presenting?</a:t>
-            </a:r>
-          </a:p>
-        </p:txBody>
-      </p:sp>
     </p:spTree>
     <p:extLst>
       <p:ext uri="{BB962C8B-B14F-4D97-AF65-F5344CB8AC3E}">
-        <p14:creationId xmlns:p14="http://schemas.microsoft.com/office/powerpoint/2010/main" val="921993545"/>
+        <p14:creationId xmlns:p14="http://schemas.microsoft.com/office/powerpoint/2010/main" val="3494567461"/>
       </p:ext>
     </p:extLst>
   </p:cSld>
